--- a/Lectures/15_joins.pptx
+++ b/Lectures/15_joins.pptx
@@ -125,6 +125,22 @@
       </a:defRPr>
     </a:lvl9pPr>
   </p:defaultTextStyle>
+  <p:extLst>
+    <p:ext uri="{EFAFB233-063F-42B5-8137-9DF3F51BA10A}">
+      <p15:sldGuideLst xmlns:p15="http://schemas.microsoft.com/office/powerpoint/2012/main">
+        <p15:guide id="1" orient="horz" pos="2160">
+          <p15:clr>
+            <a:srgbClr val="A4A3A4"/>
+          </p15:clr>
+        </p15:guide>
+        <p15:guide id="2" pos="2880">
+          <p15:clr>
+            <a:srgbClr val="A4A3A4"/>
+          </p15:clr>
+        </p15:guide>
+      </p15:sldGuideLst>
+    </p:ext>
+  </p:extLst>
 </p:presentation>
 </file>
 
@@ -166,10 +182,9 @@
           <a:lstStyle/>
           <a:p>
             <a:r>
-              <a:rPr lang="en-US" smtClean="0"/>
+              <a:rPr lang="en-US"/>
               <a:t>Click to edit Master title style</a:t>
             </a:r>
-            <a:endParaRPr lang="en-US"/>
           </a:p>
         </p:txBody>
       </p:sp>
@@ -285,10 +300,9 @@
           </a:lstStyle>
           <a:p>
             <a:r>
-              <a:rPr lang="en-US" smtClean="0"/>
+              <a:rPr lang="en-US"/>
               <a:t>Click to edit Master subtitle style</a:t>
             </a:r>
-            <a:endParaRPr lang="en-US"/>
           </a:p>
         </p:txBody>
       </p:sp>
@@ -309,7 +323,7 @@
           <a:p>
             <a:fld id="{4E1A577D-DFB9-714B-93EB-FA8D929C1C0D}" type="datetimeFigureOut">
               <a:rPr lang="en-US" smtClean="0"/>
-              <a:t>3/29/16</a:t>
+              <a:t>3/23/21</a:t>
             </a:fld>
             <a:endParaRPr lang="en-US"/>
           </a:p>
@@ -403,10 +417,9 @@
           <a:lstStyle/>
           <a:p>
             <a:r>
-              <a:rPr lang="en-US" smtClean="0"/>
+              <a:rPr lang="en-US"/>
               <a:t>Click to edit Master title style</a:t>
             </a:r>
-            <a:endParaRPr lang="en-US"/>
           </a:p>
         </p:txBody>
       </p:sp>
@@ -427,38 +440,37 @@
           <a:p>
             <a:pPr lvl="0"/>
             <a:r>
-              <a:rPr lang="en-US" smtClean="0"/>
+              <a:rPr lang="en-US"/>
               <a:t>Click to edit Master text styles</a:t>
             </a:r>
           </a:p>
           <a:p>
             <a:pPr lvl="1"/>
             <a:r>
-              <a:rPr lang="en-US" smtClean="0"/>
+              <a:rPr lang="en-US"/>
               <a:t>Second level</a:t>
             </a:r>
           </a:p>
           <a:p>
             <a:pPr lvl="2"/>
             <a:r>
-              <a:rPr lang="en-US" smtClean="0"/>
+              <a:rPr lang="en-US"/>
               <a:t>Third level</a:t>
             </a:r>
           </a:p>
           <a:p>
             <a:pPr lvl="3"/>
             <a:r>
-              <a:rPr lang="en-US" smtClean="0"/>
+              <a:rPr lang="en-US"/>
               <a:t>Fourth level</a:t>
             </a:r>
           </a:p>
           <a:p>
             <a:pPr lvl="4"/>
             <a:r>
-              <a:rPr lang="en-US" smtClean="0"/>
+              <a:rPr lang="en-US"/>
               <a:t>Fifth level</a:t>
             </a:r>
-            <a:endParaRPr lang="en-US"/>
           </a:p>
         </p:txBody>
       </p:sp>
@@ -479,7 +491,7 @@
           <a:p>
             <a:fld id="{4E1A577D-DFB9-714B-93EB-FA8D929C1C0D}" type="datetimeFigureOut">
               <a:rPr lang="en-US" smtClean="0"/>
-              <a:t>3/29/16</a:t>
+              <a:t>3/23/21</a:t>
             </a:fld>
             <a:endParaRPr lang="en-US"/>
           </a:p>
@@ -578,10 +590,9 @@
           <a:lstStyle/>
           <a:p>
             <a:r>
-              <a:rPr lang="en-US" smtClean="0"/>
+              <a:rPr lang="en-US"/>
               <a:t>Click to edit Master title style</a:t>
             </a:r>
-            <a:endParaRPr lang="en-US"/>
           </a:p>
         </p:txBody>
       </p:sp>
@@ -607,38 +618,37 @@
           <a:p>
             <a:pPr lvl="0"/>
             <a:r>
-              <a:rPr lang="en-US" smtClean="0"/>
+              <a:rPr lang="en-US"/>
               <a:t>Click to edit Master text styles</a:t>
             </a:r>
           </a:p>
           <a:p>
             <a:pPr lvl="1"/>
             <a:r>
-              <a:rPr lang="en-US" smtClean="0"/>
+              <a:rPr lang="en-US"/>
               <a:t>Second level</a:t>
             </a:r>
           </a:p>
           <a:p>
             <a:pPr lvl="2"/>
             <a:r>
-              <a:rPr lang="en-US" smtClean="0"/>
+              <a:rPr lang="en-US"/>
               <a:t>Third level</a:t>
             </a:r>
           </a:p>
           <a:p>
             <a:pPr lvl="3"/>
             <a:r>
-              <a:rPr lang="en-US" smtClean="0"/>
+              <a:rPr lang="en-US"/>
               <a:t>Fourth level</a:t>
             </a:r>
           </a:p>
           <a:p>
             <a:pPr lvl="4"/>
             <a:r>
-              <a:rPr lang="en-US" smtClean="0"/>
+              <a:rPr lang="en-US"/>
               <a:t>Fifth level</a:t>
             </a:r>
-            <a:endParaRPr lang="en-US"/>
           </a:p>
         </p:txBody>
       </p:sp>
@@ -659,7 +669,7 @@
           <a:p>
             <a:fld id="{4E1A577D-DFB9-714B-93EB-FA8D929C1C0D}" type="datetimeFigureOut">
               <a:rPr lang="en-US" smtClean="0"/>
-              <a:t>3/29/16</a:t>
+              <a:t>3/23/21</a:t>
             </a:fld>
             <a:endParaRPr lang="en-US"/>
           </a:p>
@@ -753,10 +763,9 @@
           <a:lstStyle/>
           <a:p>
             <a:r>
-              <a:rPr lang="en-US" smtClean="0"/>
+              <a:rPr lang="en-US"/>
               <a:t>Click to edit Master title style</a:t>
             </a:r>
-            <a:endParaRPr lang="en-US"/>
           </a:p>
         </p:txBody>
       </p:sp>
@@ -777,38 +786,37 @@
           <a:p>
             <a:pPr lvl="0"/>
             <a:r>
-              <a:rPr lang="en-US" smtClean="0"/>
+              <a:rPr lang="en-US"/>
               <a:t>Click to edit Master text styles</a:t>
             </a:r>
           </a:p>
           <a:p>
             <a:pPr lvl="1"/>
             <a:r>
-              <a:rPr lang="en-US" smtClean="0"/>
+              <a:rPr lang="en-US"/>
               <a:t>Second level</a:t>
             </a:r>
           </a:p>
           <a:p>
             <a:pPr lvl="2"/>
             <a:r>
-              <a:rPr lang="en-US" smtClean="0"/>
+              <a:rPr lang="en-US"/>
               <a:t>Third level</a:t>
             </a:r>
           </a:p>
           <a:p>
             <a:pPr lvl="3"/>
             <a:r>
-              <a:rPr lang="en-US" smtClean="0"/>
+              <a:rPr lang="en-US"/>
               <a:t>Fourth level</a:t>
             </a:r>
           </a:p>
           <a:p>
             <a:pPr lvl="4"/>
             <a:r>
-              <a:rPr lang="en-US" smtClean="0"/>
+              <a:rPr lang="en-US"/>
               <a:t>Fifth level</a:t>
             </a:r>
-            <a:endParaRPr lang="en-US"/>
           </a:p>
         </p:txBody>
       </p:sp>
@@ -829,7 +837,7 @@
           <a:p>
             <a:fld id="{4E1A577D-DFB9-714B-93EB-FA8D929C1C0D}" type="datetimeFigureOut">
               <a:rPr lang="en-US" smtClean="0"/>
-              <a:t>3/29/16</a:t>
+              <a:t>3/23/21</a:t>
             </a:fld>
             <a:endParaRPr lang="en-US"/>
           </a:p>
@@ -932,10 +940,9 @@
           </a:lstStyle>
           <a:p>
             <a:r>
-              <a:rPr lang="en-US" smtClean="0"/>
+              <a:rPr lang="en-US"/>
               <a:t>Click to edit Master title style</a:t>
             </a:r>
-            <a:endParaRPr lang="en-US"/>
           </a:p>
         </p:txBody>
       </p:sp>
@@ -1052,7 +1059,7 @@
           <a:p>
             <a:pPr lvl="0"/>
             <a:r>
-              <a:rPr lang="en-US" smtClean="0"/>
+              <a:rPr lang="en-US"/>
               <a:t>Click to edit Master text styles</a:t>
             </a:r>
           </a:p>
@@ -1075,7 +1082,7 @@
           <a:p>
             <a:fld id="{4E1A577D-DFB9-714B-93EB-FA8D929C1C0D}" type="datetimeFigureOut">
               <a:rPr lang="en-US" smtClean="0"/>
-              <a:t>3/29/16</a:t>
+              <a:t>3/23/21</a:t>
             </a:fld>
             <a:endParaRPr lang="en-US"/>
           </a:p>
@@ -1169,10 +1176,9 @@
           <a:lstStyle/>
           <a:p>
             <a:r>
-              <a:rPr lang="en-US" smtClean="0"/>
+              <a:rPr lang="en-US"/>
               <a:t>Click to edit Master title style</a:t>
             </a:r>
-            <a:endParaRPr lang="en-US"/>
           </a:p>
         </p:txBody>
       </p:sp>
@@ -1226,38 +1232,37 @@
           <a:p>
             <a:pPr lvl="0"/>
             <a:r>
-              <a:rPr lang="en-US" smtClean="0"/>
+              <a:rPr lang="en-US"/>
               <a:t>Click to edit Master text styles</a:t>
             </a:r>
           </a:p>
           <a:p>
             <a:pPr lvl="1"/>
             <a:r>
-              <a:rPr lang="en-US" smtClean="0"/>
+              <a:rPr lang="en-US"/>
               <a:t>Second level</a:t>
             </a:r>
           </a:p>
           <a:p>
             <a:pPr lvl="2"/>
             <a:r>
-              <a:rPr lang="en-US" smtClean="0"/>
+              <a:rPr lang="en-US"/>
               <a:t>Third level</a:t>
             </a:r>
           </a:p>
           <a:p>
             <a:pPr lvl="3"/>
             <a:r>
-              <a:rPr lang="en-US" smtClean="0"/>
+              <a:rPr lang="en-US"/>
               <a:t>Fourth level</a:t>
             </a:r>
           </a:p>
           <a:p>
             <a:pPr lvl="4"/>
             <a:r>
-              <a:rPr lang="en-US" smtClean="0"/>
+              <a:rPr lang="en-US"/>
               <a:t>Fifth level</a:t>
             </a:r>
-            <a:endParaRPr lang="en-US"/>
           </a:p>
         </p:txBody>
       </p:sp>
@@ -1311,38 +1316,37 @@
           <a:p>
             <a:pPr lvl="0"/>
             <a:r>
-              <a:rPr lang="en-US" smtClean="0"/>
+              <a:rPr lang="en-US"/>
               <a:t>Click to edit Master text styles</a:t>
             </a:r>
           </a:p>
           <a:p>
             <a:pPr lvl="1"/>
             <a:r>
-              <a:rPr lang="en-US" smtClean="0"/>
+              <a:rPr lang="en-US"/>
               <a:t>Second level</a:t>
             </a:r>
           </a:p>
           <a:p>
             <a:pPr lvl="2"/>
             <a:r>
-              <a:rPr lang="en-US" smtClean="0"/>
+              <a:rPr lang="en-US"/>
               <a:t>Third level</a:t>
             </a:r>
           </a:p>
           <a:p>
             <a:pPr lvl="3"/>
             <a:r>
-              <a:rPr lang="en-US" smtClean="0"/>
+              <a:rPr lang="en-US"/>
               <a:t>Fourth level</a:t>
             </a:r>
           </a:p>
           <a:p>
             <a:pPr lvl="4"/>
             <a:r>
-              <a:rPr lang="en-US" smtClean="0"/>
+              <a:rPr lang="en-US"/>
               <a:t>Fifth level</a:t>
             </a:r>
-            <a:endParaRPr lang="en-US"/>
           </a:p>
         </p:txBody>
       </p:sp>
@@ -1363,7 +1367,7 @@
           <a:p>
             <a:fld id="{4E1A577D-DFB9-714B-93EB-FA8D929C1C0D}" type="datetimeFigureOut">
               <a:rPr lang="en-US" smtClean="0"/>
-              <a:t>3/29/16</a:t>
+              <a:t>3/23/21</a:t>
             </a:fld>
             <a:endParaRPr lang="en-US"/>
           </a:p>
@@ -1461,10 +1465,9 @@
           </a:lstStyle>
           <a:p>
             <a:r>
-              <a:rPr lang="en-US" smtClean="0"/>
+              <a:rPr lang="en-US"/>
               <a:t>Click to edit Master title style</a:t>
             </a:r>
-            <a:endParaRPr lang="en-US"/>
           </a:p>
         </p:txBody>
       </p:sp>
@@ -1527,7 +1530,7 @@
           <a:p>
             <a:pPr lvl="0"/>
             <a:r>
-              <a:rPr lang="en-US" smtClean="0"/>
+              <a:rPr lang="en-US"/>
               <a:t>Click to edit Master text styles</a:t>
             </a:r>
           </a:p>
@@ -1583,38 +1586,37 @@
           <a:p>
             <a:pPr lvl="0"/>
             <a:r>
-              <a:rPr lang="en-US" smtClean="0"/>
+              <a:rPr lang="en-US"/>
               <a:t>Click to edit Master text styles</a:t>
             </a:r>
           </a:p>
           <a:p>
             <a:pPr lvl="1"/>
             <a:r>
-              <a:rPr lang="en-US" smtClean="0"/>
+              <a:rPr lang="en-US"/>
               <a:t>Second level</a:t>
             </a:r>
           </a:p>
           <a:p>
             <a:pPr lvl="2"/>
             <a:r>
-              <a:rPr lang="en-US" smtClean="0"/>
+              <a:rPr lang="en-US"/>
               <a:t>Third level</a:t>
             </a:r>
           </a:p>
           <a:p>
             <a:pPr lvl="3"/>
             <a:r>
-              <a:rPr lang="en-US" smtClean="0"/>
+              <a:rPr lang="en-US"/>
               <a:t>Fourth level</a:t>
             </a:r>
           </a:p>
           <a:p>
             <a:pPr lvl="4"/>
             <a:r>
-              <a:rPr lang="en-US" smtClean="0"/>
+              <a:rPr lang="en-US"/>
               <a:t>Fifth level</a:t>
             </a:r>
-            <a:endParaRPr lang="en-US"/>
           </a:p>
         </p:txBody>
       </p:sp>
@@ -1677,7 +1679,7 @@
           <a:p>
             <a:pPr lvl="0"/>
             <a:r>
-              <a:rPr lang="en-US" smtClean="0"/>
+              <a:rPr lang="en-US"/>
               <a:t>Click to edit Master text styles</a:t>
             </a:r>
           </a:p>
@@ -1733,38 +1735,37 @@
           <a:p>
             <a:pPr lvl="0"/>
             <a:r>
-              <a:rPr lang="en-US" smtClean="0"/>
+              <a:rPr lang="en-US"/>
               <a:t>Click to edit Master text styles</a:t>
             </a:r>
           </a:p>
           <a:p>
             <a:pPr lvl="1"/>
             <a:r>
-              <a:rPr lang="en-US" smtClean="0"/>
+              <a:rPr lang="en-US"/>
               <a:t>Second level</a:t>
             </a:r>
           </a:p>
           <a:p>
             <a:pPr lvl="2"/>
             <a:r>
-              <a:rPr lang="en-US" smtClean="0"/>
+              <a:rPr lang="en-US"/>
               <a:t>Third level</a:t>
             </a:r>
           </a:p>
           <a:p>
             <a:pPr lvl="3"/>
             <a:r>
-              <a:rPr lang="en-US" smtClean="0"/>
+              <a:rPr lang="en-US"/>
               <a:t>Fourth level</a:t>
             </a:r>
           </a:p>
           <a:p>
             <a:pPr lvl="4"/>
             <a:r>
-              <a:rPr lang="en-US" smtClean="0"/>
+              <a:rPr lang="en-US"/>
               <a:t>Fifth level</a:t>
             </a:r>
-            <a:endParaRPr lang="en-US"/>
           </a:p>
         </p:txBody>
       </p:sp>
@@ -1785,7 +1786,7 @@
           <a:p>
             <a:fld id="{4E1A577D-DFB9-714B-93EB-FA8D929C1C0D}" type="datetimeFigureOut">
               <a:rPr lang="en-US" smtClean="0"/>
-              <a:t>3/29/16</a:t>
+              <a:t>3/23/21</a:t>
             </a:fld>
             <a:endParaRPr lang="en-US"/>
           </a:p>
@@ -1879,10 +1880,9 @@
           <a:lstStyle/>
           <a:p>
             <a:r>
-              <a:rPr lang="en-US" smtClean="0"/>
+              <a:rPr lang="en-US"/>
               <a:t>Click to edit Master title style</a:t>
             </a:r>
-            <a:endParaRPr lang="en-US"/>
           </a:p>
         </p:txBody>
       </p:sp>
@@ -1903,7 +1903,7 @@
           <a:p>
             <a:fld id="{4E1A577D-DFB9-714B-93EB-FA8D929C1C0D}" type="datetimeFigureOut">
               <a:rPr lang="en-US" smtClean="0"/>
-              <a:t>3/29/16</a:t>
+              <a:t>3/23/21</a:t>
             </a:fld>
             <a:endParaRPr lang="en-US"/>
           </a:p>
@@ -1998,7 +1998,7 @@
           <a:p>
             <a:fld id="{4E1A577D-DFB9-714B-93EB-FA8D929C1C0D}" type="datetimeFigureOut">
               <a:rPr lang="en-US" smtClean="0"/>
-              <a:t>3/29/16</a:t>
+              <a:t>3/23/21</a:t>
             </a:fld>
             <a:endParaRPr lang="en-US"/>
           </a:p>
@@ -2101,10 +2101,9 @@
           </a:lstStyle>
           <a:p>
             <a:r>
-              <a:rPr lang="en-US" smtClean="0"/>
+              <a:rPr lang="en-US"/>
               <a:t>Click to edit Master title style</a:t>
             </a:r>
-            <a:endParaRPr lang="en-US"/>
           </a:p>
         </p:txBody>
       </p:sp>
@@ -2158,38 +2157,37 @@
           <a:p>
             <a:pPr lvl="0"/>
             <a:r>
-              <a:rPr lang="en-US" smtClean="0"/>
+              <a:rPr lang="en-US"/>
               <a:t>Click to edit Master text styles</a:t>
             </a:r>
           </a:p>
           <a:p>
             <a:pPr lvl="1"/>
             <a:r>
-              <a:rPr lang="en-US" smtClean="0"/>
+              <a:rPr lang="en-US"/>
               <a:t>Second level</a:t>
             </a:r>
           </a:p>
           <a:p>
             <a:pPr lvl="2"/>
             <a:r>
-              <a:rPr lang="en-US" smtClean="0"/>
+              <a:rPr lang="en-US"/>
               <a:t>Third level</a:t>
             </a:r>
           </a:p>
           <a:p>
             <a:pPr lvl="3"/>
             <a:r>
-              <a:rPr lang="en-US" smtClean="0"/>
+              <a:rPr lang="en-US"/>
               <a:t>Fourth level</a:t>
             </a:r>
           </a:p>
           <a:p>
             <a:pPr lvl="4"/>
             <a:r>
-              <a:rPr lang="en-US" smtClean="0"/>
+              <a:rPr lang="en-US"/>
               <a:t>Fifth level</a:t>
             </a:r>
-            <a:endParaRPr lang="en-US"/>
           </a:p>
         </p:txBody>
       </p:sp>
@@ -2252,7 +2250,7 @@
           <a:p>
             <a:pPr lvl="0"/>
             <a:r>
-              <a:rPr lang="en-US" smtClean="0"/>
+              <a:rPr lang="en-US"/>
               <a:t>Click to edit Master text styles</a:t>
             </a:r>
           </a:p>
@@ -2275,7 +2273,7 @@
           <a:p>
             <a:fld id="{4E1A577D-DFB9-714B-93EB-FA8D929C1C0D}" type="datetimeFigureOut">
               <a:rPr lang="en-US" smtClean="0"/>
-              <a:t>3/29/16</a:t>
+              <a:t>3/23/21</a:t>
             </a:fld>
             <a:endParaRPr lang="en-US"/>
           </a:p>
@@ -2378,10 +2376,9 @@
           </a:lstStyle>
           <a:p>
             <a:r>
-              <a:rPr lang="en-US" smtClean="0"/>
+              <a:rPr lang="en-US"/>
               <a:t>Click to edit Master title style</a:t>
             </a:r>
-            <a:endParaRPr lang="en-US"/>
           </a:p>
         </p:txBody>
       </p:sp>
@@ -2505,7 +2502,7 @@
           <a:p>
             <a:pPr lvl="0"/>
             <a:r>
-              <a:rPr lang="en-US" smtClean="0"/>
+              <a:rPr lang="en-US"/>
               <a:t>Click to edit Master text styles</a:t>
             </a:r>
           </a:p>
@@ -2528,7 +2525,7 @@
           <a:p>
             <a:fld id="{4E1A577D-DFB9-714B-93EB-FA8D929C1C0D}" type="datetimeFigureOut">
               <a:rPr lang="en-US" smtClean="0"/>
-              <a:t>3/29/16</a:t>
+              <a:t>3/23/21</a:t>
             </a:fld>
             <a:endParaRPr lang="en-US"/>
           </a:p>
@@ -2637,10 +2634,9 @@
           <a:lstStyle/>
           <a:p>
             <a:r>
-              <a:rPr lang="en-US" smtClean="0"/>
+              <a:rPr lang="en-US"/>
               <a:t>Click to edit Master title style</a:t>
             </a:r>
-            <a:endParaRPr lang="en-US"/>
           </a:p>
         </p:txBody>
       </p:sp>
@@ -2671,38 +2667,37 @@
           <a:p>
             <a:pPr lvl="0"/>
             <a:r>
-              <a:rPr lang="en-US" smtClean="0"/>
+              <a:rPr lang="en-US"/>
               <a:t>Click to edit Master text styles</a:t>
             </a:r>
           </a:p>
           <a:p>
             <a:pPr lvl="1"/>
             <a:r>
-              <a:rPr lang="en-US" smtClean="0"/>
+              <a:rPr lang="en-US"/>
               <a:t>Second level</a:t>
             </a:r>
           </a:p>
           <a:p>
             <a:pPr lvl="2"/>
             <a:r>
-              <a:rPr lang="en-US" smtClean="0"/>
+              <a:rPr lang="en-US"/>
               <a:t>Third level</a:t>
             </a:r>
           </a:p>
           <a:p>
             <a:pPr lvl="3"/>
             <a:r>
-              <a:rPr lang="en-US" smtClean="0"/>
+              <a:rPr lang="en-US"/>
               <a:t>Fourth level</a:t>
             </a:r>
           </a:p>
           <a:p>
             <a:pPr lvl="4"/>
             <a:r>
-              <a:rPr lang="en-US" smtClean="0"/>
+              <a:rPr lang="en-US"/>
               <a:t>Fifth level</a:t>
             </a:r>
-            <a:endParaRPr lang="en-US"/>
           </a:p>
         </p:txBody>
       </p:sp>
@@ -2744,7 +2739,7 @@
             <a:fld id="{4E1A577D-DFB9-714B-93EB-FA8D929C1C0D}" type="datetimeFigureOut">
               <a:rPr lang="en-US" smtClean="0"/>
               <a:pPr/>
-              <a:t>3/29/16</a:t>
+              <a:t>3/23/21</a:t>
             </a:fld>
             <a:endParaRPr lang="en-US"/>
           </a:p>
@@ -3245,10 +3240,9 @@
           <a:lstStyle/>
           <a:p>
             <a:r>
-              <a:rPr lang="en-US" dirty="0" smtClean="0"/>
+              <a:rPr lang="en-US" dirty="0"/>
               <a:t>Joining Disparate Data Sets</a:t>
             </a:r>
-            <a:endParaRPr lang="en-US" dirty="0"/>
           </a:p>
         </p:txBody>
       </p:sp>
@@ -3298,10 +3292,9 @@
           <a:lstStyle/>
           <a:p>
             <a:r>
-              <a:rPr lang="en-US" dirty="0" smtClean="0"/>
+              <a:rPr lang="en-US" dirty="0"/>
               <a:t>Inner Join</a:t>
             </a:r>
-            <a:endParaRPr lang="en-US" dirty="0"/>
           </a:p>
         </p:txBody>
       </p:sp>
@@ -3358,10 +3351,9 @@
           <a:lstStyle/>
           <a:p>
             <a:r>
-              <a:rPr lang="en-US" sz="2000" dirty="0" smtClean="0"/>
+              <a:rPr lang="en-US" sz="2000" dirty="0"/>
               <a:t>Creates new Data with rows that exist in both data sets</a:t>
             </a:r>
-            <a:endParaRPr lang="en-US" sz="2000" dirty="0"/>
           </a:p>
         </p:txBody>
       </p:sp>
@@ -3411,10 +3403,9 @@
           <a:lstStyle/>
           <a:p>
             <a:r>
-              <a:rPr lang="en-US" dirty="0" smtClean="0"/>
+              <a:rPr lang="en-US" dirty="0"/>
               <a:t>Reducing Data in Inner Joins</a:t>
             </a:r>
-            <a:endParaRPr lang="en-US" dirty="0"/>
           </a:p>
         </p:txBody>
       </p:sp>
@@ -3444,49 +3435,49 @@
               <a:buNone/>
             </a:pPr>
             <a:r>
-              <a:rPr lang="en-US" dirty="0" smtClean="0">
+              <a:rPr lang="en-US" dirty="0">
                 <a:latin typeface="Courier"/>
                 <a:cs typeface="Courier"/>
               </a:rPr>
               <a:t>&gt; </a:t>
             </a:r>
             <a:r>
-              <a:rPr lang="en-US" dirty="0" err="1" smtClean="0">
+              <a:rPr lang="en-US" dirty="0" err="1">
                 <a:latin typeface="Courier"/>
                 <a:cs typeface="Courier"/>
               </a:rPr>
               <a:t>hem_inner</a:t>
             </a:r>
             <a:r>
-              <a:rPr lang="en-US" dirty="0" smtClean="0">
+              <a:rPr lang="en-US" dirty="0">
                 <a:latin typeface="Courier"/>
                 <a:cs typeface="Courier"/>
               </a:rPr>
               <a:t> &lt;- </a:t>
             </a:r>
             <a:r>
-              <a:rPr lang="en-US" dirty="0" err="1" smtClean="0">
+              <a:rPr lang="en-US" dirty="0" err="1">
                 <a:latin typeface="Courier"/>
                 <a:cs typeface="Courier"/>
               </a:rPr>
               <a:t>inner_join</a:t>
             </a:r>
             <a:r>
-              <a:rPr lang="en-US" dirty="0" smtClean="0">
+              <a:rPr lang="en-US" dirty="0">
                 <a:latin typeface="Courier"/>
                 <a:cs typeface="Courier"/>
               </a:rPr>
               <a:t>(</a:t>
             </a:r>
             <a:r>
-              <a:rPr lang="en-US" dirty="0" err="1" smtClean="0">
+              <a:rPr lang="en-US" dirty="0" err="1">
                 <a:latin typeface="Courier"/>
                 <a:cs typeface="Courier"/>
               </a:rPr>
               <a:t>hemlock_data</a:t>
             </a:r>
             <a:r>
-              <a:rPr lang="en-US" dirty="0" smtClean="0">
+              <a:rPr lang="en-US" dirty="0">
                 <a:latin typeface="Courier"/>
                 <a:cs typeface="Courier"/>
               </a:rPr>
@@ -3498,21 +3489,21 @@
               <a:buNone/>
             </a:pPr>
             <a:r>
-              <a:rPr lang="en-US" dirty="0" smtClean="0">
+              <a:rPr lang="en-US" dirty="0">
                 <a:latin typeface="Courier"/>
                 <a:cs typeface="Courier"/>
               </a:rPr>
               <a:t>										 </a:t>
             </a:r>
             <a:r>
-              <a:rPr lang="en-US" dirty="0" err="1" smtClean="0">
+              <a:rPr lang="en-US" dirty="0" err="1">
                 <a:latin typeface="Courier"/>
                 <a:cs typeface="Courier"/>
               </a:rPr>
               <a:t>hemlock_sites</a:t>
             </a:r>
             <a:r>
-              <a:rPr lang="en-US" dirty="0" smtClean="0">
+              <a:rPr lang="en-US" dirty="0">
                 <a:latin typeface="Courier"/>
                 <a:cs typeface="Courier"/>
               </a:rPr>
@@ -3523,209 +3514,205 @@
             <a:pPr marL="0" indent="0">
               <a:buNone/>
             </a:pPr>
-            <a:endParaRPr lang="en-US" dirty="0" smtClean="0">
-              <a:latin typeface="Courier"/>
-              <a:cs typeface="Courier"/>
-            </a:endParaRPr>
-          </a:p>
-          <a:p>
-            <a:pPr marL="0" indent="0">
-              <a:buNone/>
-            </a:pPr>
-            <a:r>
-              <a:rPr lang="en-US" dirty="0" smtClean="0">
-                <a:latin typeface="Courier"/>
-                <a:cs typeface="Courier"/>
-              </a:rPr>
-              <a:t>Joining by: c("Stand", "Year", "Latitude", "Longitude")</a:t>
-            </a:r>
-          </a:p>
-          <a:p>
-            <a:pPr marL="0" indent="0">
-              <a:buNone/>
-            </a:pPr>
-            <a:endParaRPr lang="en-US" dirty="0" smtClean="0">
-              <a:latin typeface="Courier"/>
-              <a:cs typeface="Courier"/>
-            </a:endParaRPr>
-          </a:p>
-          <a:p>
-            <a:pPr marL="0" indent="0">
-              <a:buNone/>
-            </a:pPr>
-            <a:r>
-              <a:rPr lang="en-US" dirty="0" smtClean="0">
-                <a:latin typeface="Courier"/>
-                <a:cs typeface="Courier"/>
-              </a:rPr>
-              <a:t>&gt; </a:t>
-            </a:r>
-            <a:r>
-              <a:rPr lang="en-US" dirty="0" err="1" smtClean="0">
-                <a:latin typeface="Courier"/>
-                <a:cs typeface="Courier"/>
-              </a:rPr>
-              <a:t>nrow</a:t>
-            </a:r>
-            <a:r>
-              <a:rPr lang="en-US" dirty="0" smtClean="0">
-                <a:latin typeface="Courier"/>
-                <a:cs typeface="Courier"/>
-              </a:rPr>
-              <a:t>(</a:t>
-            </a:r>
-            <a:r>
-              <a:rPr lang="en-US" dirty="0" err="1" smtClean="0">
-                <a:latin typeface="Courier"/>
-                <a:cs typeface="Courier"/>
-              </a:rPr>
-              <a:t>hemlock_data</a:t>
-            </a:r>
-            <a:r>
-              <a:rPr lang="en-US" dirty="0" smtClean="0">
-                <a:latin typeface="Courier"/>
-                <a:cs typeface="Courier"/>
-              </a:rPr>
-              <a:t>)</a:t>
-            </a:r>
-          </a:p>
-          <a:p>
-            <a:pPr marL="0" indent="0">
-              <a:buNone/>
-            </a:pPr>
-            <a:r>
-              <a:rPr lang="en-US" dirty="0" smtClean="0">
-                <a:latin typeface="Courier"/>
-                <a:cs typeface="Courier"/>
-              </a:rPr>
-              <a:t>[1] 98</a:t>
-            </a:r>
-          </a:p>
-          <a:p>
-            <a:pPr marL="0" indent="0">
-              <a:buNone/>
-            </a:pPr>
-            <a:endParaRPr lang="en-US" dirty="0" smtClean="0">
-              <a:latin typeface="Courier"/>
-              <a:cs typeface="Courier"/>
-            </a:endParaRPr>
-          </a:p>
-          <a:p>
-            <a:pPr marL="0" indent="0">
-              <a:buNone/>
-            </a:pPr>
-            <a:r>
-              <a:rPr lang="en-US" dirty="0" smtClean="0">
-                <a:latin typeface="Courier"/>
-                <a:cs typeface="Courier"/>
-              </a:rPr>
-              <a:t>&gt; </a:t>
-            </a:r>
-            <a:r>
-              <a:rPr lang="en-US" dirty="0" err="1" smtClean="0">
-                <a:latin typeface="Courier"/>
-                <a:cs typeface="Courier"/>
-              </a:rPr>
-              <a:t>nrow</a:t>
-            </a:r>
-            <a:r>
-              <a:rPr lang="en-US" dirty="0" smtClean="0">
-                <a:latin typeface="Courier"/>
-                <a:cs typeface="Courier"/>
-              </a:rPr>
-              <a:t>(</a:t>
-            </a:r>
-            <a:r>
-              <a:rPr lang="en-US" dirty="0" err="1" smtClean="0">
-                <a:latin typeface="Courier"/>
-                <a:cs typeface="Courier"/>
-              </a:rPr>
-              <a:t>hemlock_sites</a:t>
-            </a:r>
-            <a:r>
-              <a:rPr lang="en-US" dirty="0" smtClean="0">
-                <a:latin typeface="Courier"/>
-                <a:cs typeface="Courier"/>
-              </a:rPr>
-              <a:t>)</a:t>
-            </a:r>
-          </a:p>
-          <a:p>
-            <a:pPr marL="0" indent="0">
-              <a:buNone/>
-            </a:pPr>
-            <a:r>
-              <a:rPr lang="en-US" dirty="0" smtClean="0">
-                <a:latin typeface="Courier"/>
-                <a:cs typeface="Courier"/>
-              </a:rPr>
-              <a:t>[1] 111</a:t>
-            </a:r>
-          </a:p>
-          <a:p>
-            <a:pPr marL="0" indent="0">
-              <a:buNone/>
-            </a:pPr>
-            <a:endParaRPr lang="en-US" dirty="0" smtClean="0">
-              <a:latin typeface="Courier"/>
-              <a:cs typeface="Courier"/>
-            </a:endParaRPr>
-          </a:p>
-          <a:p>
-            <a:pPr marL="0" indent="0">
-              <a:buNone/>
-            </a:pPr>
-            <a:r>
-              <a:rPr lang="en-US" dirty="0" smtClean="0">
-                <a:latin typeface="Courier"/>
-                <a:cs typeface="Courier"/>
-              </a:rPr>
-              <a:t>&gt; </a:t>
-            </a:r>
-            <a:r>
-              <a:rPr lang="en-US" dirty="0" err="1" smtClean="0">
-                <a:latin typeface="Courier"/>
-                <a:cs typeface="Courier"/>
-              </a:rPr>
-              <a:t>nrow</a:t>
-            </a:r>
-            <a:r>
-              <a:rPr lang="en-US" dirty="0" smtClean="0">
-                <a:latin typeface="Courier"/>
-                <a:cs typeface="Courier"/>
-              </a:rPr>
-              <a:t>(</a:t>
-            </a:r>
-            <a:r>
-              <a:rPr lang="en-US" dirty="0" err="1" smtClean="0">
-                <a:latin typeface="Courier"/>
-                <a:cs typeface="Courier"/>
-              </a:rPr>
-              <a:t>hem_inner</a:t>
-            </a:r>
-            <a:r>
-              <a:rPr lang="en-US" dirty="0" smtClean="0">
-                <a:latin typeface="Courier"/>
-                <a:cs typeface="Courier"/>
-              </a:rPr>
-              <a:t>)</a:t>
-            </a:r>
-          </a:p>
-          <a:p>
-            <a:pPr marL="0" indent="0">
-              <a:buNone/>
-            </a:pPr>
-            <a:r>
-              <a:rPr lang="en-US" dirty="0" smtClean="0">
-                <a:latin typeface="Courier"/>
-                <a:cs typeface="Courier"/>
-              </a:rPr>
-              <a:t>[1] 87</a:t>
-            </a:r>
             <a:endParaRPr lang="en-US" dirty="0">
               <a:latin typeface="Courier"/>
               <a:cs typeface="Courier"/>
             </a:endParaRPr>
+          </a:p>
+          <a:p>
+            <a:pPr marL="0" indent="0">
+              <a:buNone/>
+            </a:pPr>
+            <a:r>
+              <a:rPr lang="en-US" dirty="0">
+                <a:latin typeface="Courier"/>
+                <a:cs typeface="Courier"/>
+              </a:rPr>
+              <a:t>Joining by: c("Stand", "Year", "Latitude", "Longitude")</a:t>
+            </a:r>
+          </a:p>
+          <a:p>
+            <a:pPr marL="0" indent="0">
+              <a:buNone/>
+            </a:pPr>
+            <a:endParaRPr lang="en-US" dirty="0">
+              <a:latin typeface="Courier"/>
+              <a:cs typeface="Courier"/>
+            </a:endParaRPr>
+          </a:p>
+          <a:p>
+            <a:pPr marL="0" indent="0">
+              <a:buNone/>
+            </a:pPr>
+            <a:r>
+              <a:rPr lang="en-US" dirty="0">
+                <a:latin typeface="Courier"/>
+                <a:cs typeface="Courier"/>
+              </a:rPr>
+              <a:t>&gt; </a:t>
+            </a:r>
+            <a:r>
+              <a:rPr lang="en-US" dirty="0" err="1">
+                <a:latin typeface="Courier"/>
+                <a:cs typeface="Courier"/>
+              </a:rPr>
+              <a:t>nrow</a:t>
+            </a:r>
+            <a:r>
+              <a:rPr lang="en-US" dirty="0">
+                <a:latin typeface="Courier"/>
+                <a:cs typeface="Courier"/>
+              </a:rPr>
+              <a:t>(</a:t>
+            </a:r>
+            <a:r>
+              <a:rPr lang="en-US" dirty="0" err="1">
+                <a:latin typeface="Courier"/>
+                <a:cs typeface="Courier"/>
+              </a:rPr>
+              <a:t>hemlock_data</a:t>
+            </a:r>
+            <a:r>
+              <a:rPr lang="en-US" dirty="0">
+                <a:latin typeface="Courier"/>
+                <a:cs typeface="Courier"/>
+              </a:rPr>
+              <a:t>)</a:t>
+            </a:r>
+          </a:p>
+          <a:p>
+            <a:pPr marL="0" indent="0">
+              <a:buNone/>
+            </a:pPr>
+            <a:r>
+              <a:rPr lang="en-US" dirty="0">
+                <a:latin typeface="Courier"/>
+                <a:cs typeface="Courier"/>
+              </a:rPr>
+              <a:t>[1] 98</a:t>
+            </a:r>
+          </a:p>
+          <a:p>
+            <a:pPr marL="0" indent="0">
+              <a:buNone/>
+            </a:pPr>
+            <a:endParaRPr lang="en-US" dirty="0">
+              <a:latin typeface="Courier"/>
+              <a:cs typeface="Courier"/>
+            </a:endParaRPr>
+          </a:p>
+          <a:p>
+            <a:pPr marL="0" indent="0">
+              <a:buNone/>
+            </a:pPr>
+            <a:r>
+              <a:rPr lang="en-US" dirty="0">
+                <a:latin typeface="Courier"/>
+                <a:cs typeface="Courier"/>
+              </a:rPr>
+              <a:t>&gt; </a:t>
+            </a:r>
+            <a:r>
+              <a:rPr lang="en-US" dirty="0" err="1">
+                <a:latin typeface="Courier"/>
+                <a:cs typeface="Courier"/>
+              </a:rPr>
+              <a:t>nrow</a:t>
+            </a:r>
+            <a:r>
+              <a:rPr lang="en-US" dirty="0">
+                <a:latin typeface="Courier"/>
+                <a:cs typeface="Courier"/>
+              </a:rPr>
+              <a:t>(</a:t>
+            </a:r>
+            <a:r>
+              <a:rPr lang="en-US" dirty="0" err="1">
+                <a:latin typeface="Courier"/>
+                <a:cs typeface="Courier"/>
+              </a:rPr>
+              <a:t>hemlock_sites</a:t>
+            </a:r>
+            <a:r>
+              <a:rPr lang="en-US" dirty="0">
+                <a:latin typeface="Courier"/>
+                <a:cs typeface="Courier"/>
+              </a:rPr>
+              <a:t>)</a:t>
+            </a:r>
+          </a:p>
+          <a:p>
+            <a:pPr marL="0" indent="0">
+              <a:buNone/>
+            </a:pPr>
+            <a:r>
+              <a:rPr lang="en-US" dirty="0">
+                <a:latin typeface="Courier"/>
+                <a:cs typeface="Courier"/>
+              </a:rPr>
+              <a:t>[1] 111</a:t>
+            </a:r>
+          </a:p>
+          <a:p>
+            <a:pPr marL="0" indent="0">
+              <a:buNone/>
+            </a:pPr>
+            <a:endParaRPr lang="en-US" dirty="0">
+              <a:latin typeface="Courier"/>
+              <a:cs typeface="Courier"/>
+            </a:endParaRPr>
+          </a:p>
+          <a:p>
+            <a:pPr marL="0" indent="0">
+              <a:buNone/>
+            </a:pPr>
+            <a:r>
+              <a:rPr lang="en-US" dirty="0">
+                <a:latin typeface="Courier"/>
+                <a:cs typeface="Courier"/>
+              </a:rPr>
+              <a:t>&gt; </a:t>
+            </a:r>
+            <a:r>
+              <a:rPr lang="en-US" dirty="0" err="1">
+                <a:latin typeface="Courier"/>
+                <a:cs typeface="Courier"/>
+              </a:rPr>
+              <a:t>nrow</a:t>
+            </a:r>
+            <a:r>
+              <a:rPr lang="en-US" dirty="0">
+                <a:latin typeface="Courier"/>
+                <a:cs typeface="Courier"/>
+              </a:rPr>
+              <a:t>(</a:t>
+            </a:r>
+            <a:r>
+              <a:rPr lang="en-US" dirty="0" err="1">
+                <a:latin typeface="Courier"/>
+                <a:cs typeface="Courier"/>
+              </a:rPr>
+              <a:t>hem_inner</a:t>
+            </a:r>
+            <a:r>
+              <a:rPr lang="en-US" dirty="0">
+                <a:latin typeface="Courier"/>
+                <a:cs typeface="Courier"/>
+              </a:rPr>
+              <a:t>)</a:t>
+            </a:r>
+          </a:p>
+          <a:p>
+            <a:pPr marL="0" indent="0">
+              <a:buNone/>
+            </a:pPr>
+            <a:r>
+              <a:rPr lang="en-US" dirty="0">
+                <a:latin typeface="Courier"/>
+                <a:cs typeface="Courier"/>
+              </a:rPr>
+              <a:t>[1] 87</a:t>
+            </a:r>
           </a:p>
         </p:txBody>
       </p:sp>
@@ -3742,7 +3729,7 @@
   <p:timing>
     <p:tnLst>
       <p:par>
-        <p:cTn xmlns:p14="http://schemas.microsoft.com/office/powerpoint/2010/main" id="1" dur="indefinite" restart="never" nodeType="tmRoot">
+        <p:cTn id="1" dur="indefinite" restart="never" nodeType="tmRoot">
           <p:childTnLst>
             <p:seq concurrent="1" nextAc="seek">
               <p:cTn id="2" dur="indefinite" nodeType="mainSeq">
@@ -4159,10 +4146,9 @@
           <a:lstStyle/>
           <a:p>
             <a:r>
-              <a:rPr lang="en-US" dirty="0" smtClean="0"/>
+              <a:rPr lang="en-US" dirty="0"/>
               <a:t>Plotting Paired Data</a:t>
             </a:r>
-            <a:endParaRPr lang="en-US" dirty="0"/>
           </a:p>
         </p:txBody>
       </p:sp>
@@ -4206,13 +4192,6 @@
   <p:clrMapOvr>
     <a:masterClrMapping/>
   </p:clrMapOvr>
-  <p:timing>
-    <p:tnLst>
-      <p:par>
-        <p:cTn xmlns:p14="http://schemas.microsoft.com/office/powerpoint/2010/main" id="1" dur="indefinite" restart="never" nodeType="tmRoot"/>
-      </p:par>
-    </p:tnLst>
-  </p:timing>
 </p:sld>
 </file>
 
@@ -4249,10 +4228,9 @@
           <a:lstStyle/>
           <a:p>
             <a:r>
-              <a:rPr lang="en-US" dirty="0" smtClean="0"/>
+              <a:rPr lang="en-US" dirty="0"/>
               <a:t>Outer Joins</a:t>
             </a:r>
-            <a:endParaRPr lang="en-US" dirty="0"/>
           </a:p>
         </p:txBody>
       </p:sp>
@@ -4334,10 +4312,9 @@
           <a:lstStyle/>
           <a:p>
             <a:r>
-              <a:rPr lang="en-US" dirty="0" smtClean="0"/>
+              <a:rPr lang="en-US" dirty="0"/>
               <a:t>Left Join: Retain Rows with NAs in First Dataset</a:t>
             </a:r>
-            <a:endParaRPr lang="en-US" dirty="0"/>
           </a:p>
         </p:txBody>
       </p:sp>
@@ -4393,7 +4370,7 @@
           <a:lstStyle/>
           <a:p>
             <a:r>
-              <a:rPr lang="en-US" dirty="0" smtClean="0">
+              <a:rPr lang="en-US" dirty="0">
                 <a:latin typeface="Avenir Black"/>
                 <a:cs typeface="Avenir Black"/>
               </a:rPr>
@@ -4401,140 +4378,136 @@
             </a:r>
           </a:p>
           <a:p>
-            <a:endParaRPr lang="en-US" dirty="0" smtClean="0">
-              <a:latin typeface="Courier"/>
-              <a:cs typeface="Courier"/>
-            </a:endParaRPr>
-          </a:p>
-          <a:p>
-            <a:r>
-              <a:rPr lang="en-US" dirty="0" smtClean="0">
-                <a:latin typeface="Courier"/>
-                <a:cs typeface="Courier"/>
-              </a:rPr>
-              <a:t>&gt; </a:t>
-            </a:r>
-            <a:r>
-              <a:rPr lang="en-US" dirty="0" err="1" smtClean="0">
-                <a:latin typeface="Courier"/>
-                <a:cs typeface="Courier"/>
-              </a:rPr>
-              <a:t>hem_left</a:t>
-            </a:r>
-            <a:r>
-              <a:rPr lang="en-US" dirty="0" smtClean="0">
-                <a:latin typeface="Courier"/>
-                <a:cs typeface="Courier"/>
-              </a:rPr>
-              <a:t> &lt;- </a:t>
-            </a:r>
-            <a:r>
-              <a:rPr lang="en-US" dirty="0" err="1" smtClean="0">
-                <a:latin typeface="Courier"/>
-                <a:cs typeface="Courier"/>
-              </a:rPr>
-              <a:t>left_join</a:t>
-            </a:r>
-            <a:r>
-              <a:rPr lang="en-US" dirty="0" smtClean="0">
-                <a:latin typeface="Courier"/>
-                <a:cs typeface="Courier"/>
-              </a:rPr>
-              <a:t>(</a:t>
-            </a:r>
-            <a:r>
-              <a:rPr lang="en-US" dirty="0" err="1" smtClean="0">
-                <a:latin typeface="Courier"/>
-                <a:cs typeface="Courier"/>
-              </a:rPr>
-              <a:t>hemlock_data</a:t>
-            </a:r>
-            <a:r>
-              <a:rPr lang="en-US" dirty="0" smtClean="0">
-                <a:latin typeface="Courier"/>
-                <a:cs typeface="Courier"/>
-              </a:rPr>
-              <a:t>, </a:t>
-            </a:r>
-            <a:r>
-              <a:rPr lang="en-US" dirty="0" err="1" smtClean="0">
-                <a:latin typeface="Courier"/>
-                <a:cs typeface="Courier"/>
-              </a:rPr>
-              <a:t>hemlock_sites</a:t>
-            </a:r>
-            <a:r>
-              <a:rPr lang="en-US" dirty="0" smtClean="0">
-                <a:latin typeface="Courier"/>
-                <a:cs typeface="Courier"/>
-              </a:rPr>
-              <a:t>)</a:t>
-            </a:r>
-          </a:p>
-          <a:p>
-            <a:r>
-              <a:rPr lang="en-US" dirty="0" smtClean="0">
-                <a:latin typeface="Courier"/>
-                <a:cs typeface="Courier"/>
-              </a:rPr>
-              <a:t>Joining by: c("Stand", "Year", "Latitude", "Longitude")</a:t>
-            </a:r>
-          </a:p>
-          <a:p>
-            <a:endParaRPr lang="en-US" dirty="0" smtClean="0">
-              <a:latin typeface="Courier"/>
-              <a:cs typeface="Courier"/>
-            </a:endParaRPr>
-          </a:p>
-          <a:p>
-            <a:r>
-              <a:rPr lang="en-US" dirty="0" smtClean="0">
-                <a:latin typeface="Courier"/>
-                <a:cs typeface="Courier"/>
-              </a:rPr>
-              <a:t>&gt; </a:t>
-            </a:r>
-            <a:r>
-              <a:rPr lang="en-US" dirty="0" err="1" smtClean="0">
-                <a:latin typeface="Courier"/>
-                <a:cs typeface="Courier"/>
-              </a:rPr>
-              <a:t>nrow</a:t>
-            </a:r>
-            <a:r>
-              <a:rPr lang="en-US" dirty="0" smtClean="0">
-                <a:latin typeface="Courier"/>
-                <a:cs typeface="Courier"/>
-              </a:rPr>
-              <a:t>(</a:t>
-            </a:r>
-            <a:r>
-              <a:rPr lang="en-US" dirty="0" err="1" smtClean="0">
-                <a:latin typeface="Courier"/>
-                <a:cs typeface="Courier"/>
-              </a:rPr>
-              <a:t>hem_left</a:t>
-            </a:r>
-            <a:r>
-              <a:rPr lang="en-US" dirty="0" smtClean="0">
-                <a:latin typeface="Courier"/>
-                <a:cs typeface="Courier"/>
-              </a:rPr>
-              <a:t>)</a:t>
-            </a:r>
-          </a:p>
-          <a:p>
-            <a:r>
-              <a:rPr lang="en-US" dirty="0" smtClean="0">
-                <a:latin typeface="Courier"/>
-                <a:cs typeface="Courier"/>
-              </a:rPr>
-              <a:t>[1] 98</a:t>
-            </a:r>
             <a:endParaRPr lang="en-US" dirty="0">
               <a:latin typeface="Courier"/>
               <a:cs typeface="Courier"/>
             </a:endParaRPr>
+          </a:p>
+          <a:p>
+            <a:r>
+              <a:rPr lang="en-US" dirty="0">
+                <a:latin typeface="Courier"/>
+                <a:cs typeface="Courier"/>
+              </a:rPr>
+              <a:t>&gt; </a:t>
+            </a:r>
+            <a:r>
+              <a:rPr lang="en-US" dirty="0" err="1">
+                <a:latin typeface="Courier"/>
+                <a:cs typeface="Courier"/>
+              </a:rPr>
+              <a:t>hem_left</a:t>
+            </a:r>
+            <a:r>
+              <a:rPr lang="en-US" dirty="0">
+                <a:latin typeface="Courier"/>
+                <a:cs typeface="Courier"/>
+              </a:rPr>
+              <a:t> &lt;- </a:t>
+            </a:r>
+            <a:r>
+              <a:rPr lang="en-US" dirty="0" err="1">
+                <a:latin typeface="Courier"/>
+                <a:cs typeface="Courier"/>
+              </a:rPr>
+              <a:t>left_join</a:t>
+            </a:r>
+            <a:r>
+              <a:rPr lang="en-US" dirty="0">
+                <a:latin typeface="Courier"/>
+                <a:cs typeface="Courier"/>
+              </a:rPr>
+              <a:t>(</a:t>
+            </a:r>
+            <a:r>
+              <a:rPr lang="en-US" dirty="0" err="1">
+                <a:latin typeface="Courier"/>
+                <a:cs typeface="Courier"/>
+              </a:rPr>
+              <a:t>hemlock_data</a:t>
+            </a:r>
+            <a:r>
+              <a:rPr lang="en-US" dirty="0">
+                <a:latin typeface="Courier"/>
+                <a:cs typeface="Courier"/>
+              </a:rPr>
+              <a:t>, </a:t>
+            </a:r>
+            <a:r>
+              <a:rPr lang="en-US" dirty="0" err="1">
+                <a:latin typeface="Courier"/>
+                <a:cs typeface="Courier"/>
+              </a:rPr>
+              <a:t>hemlock_sites</a:t>
+            </a:r>
+            <a:r>
+              <a:rPr lang="en-US" dirty="0">
+                <a:latin typeface="Courier"/>
+                <a:cs typeface="Courier"/>
+              </a:rPr>
+              <a:t>)</a:t>
+            </a:r>
+          </a:p>
+          <a:p>
+            <a:r>
+              <a:rPr lang="en-US" dirty="0">
+                <a:latin typeface="Courier"/>
+                <a:cs typeface="Courier"/>
+              </a:rPr>
+              <a:t>Joining by: c("Stand", "Year", "Latitude", "Longitude")</a:t>
+            </a:r>
+          </a:p>
+          <a:p>
+            <a:endParaRPr lang="en-US" dirty="0">
+              <a:latin typeface="Courier"/>
+              <a:cs typeface="Courier"/>
+            </a:endParaRPr>
+          </a:p>
+          <a:p>
+            <a:r>
+              <a:rPr lang="en-US" dirty="0">
+                <a:latin typeface="Courier"/>
+                <a:cs typeface="Courier"/>
+              </a:rPr>
+              <a:t>&gt; </a:t>
+            </a:r>
+            <a:r>
+              <a:rPr lang="en-US" dirty="0" err="1">
+                <a:latin typeface="Courier"/>
+                <a:cs typeface="Courier"/>
+              </a:rPr>
+              <a:t>nrow</a:t>
+            </a:r>
+            <a:r>
+              <a:rPr lang="en-US" dirty="0">
+                <a:latin typeface="Courier"/>
+                <a:cs typeface="Courier"/>
+              </a:rPr>
+              <a:t>(</a:t>
+            </a:r>
+            <a:r>
+              <a:rPr lang="en-US" dirty="0" err="1">
+                <a:latin typeface="Courier"/>
+                <a:cs typeface="Courier"/>
+              </a:rPr>
+              <a:t>hem_left</a:t>
+            </a:r>
+            <a:r>
+              <a:rPr lang="en-US" dirty="0">
+                <a:latin typeface="Courier"/>
+                <a:cs typeface="Courier"/>
+              </a:rPr>
+              <a:t>)</a:t>
+            </a:r>
+          </a:p>
+          <a:p>
+            <a:r>
+              <a:rPr lang="en-US" dirty="0">
+                <a:latin typeface="Courier"/>
+                <a:cs typeface="Courier"/>
+              </a:rPr>
+              <a:t>[1] 98</a:t>
+            </a:r>
           </a:p>
         </p:txBody>
       </p:sp>
@@ -4551,7 +4524,7 @@
   <p:timing>
     <p:tnLst>
       <p:par>
-        <p:cTn xmlns:p14="http://schemas.microsoft.com/office/powerpoint/2010/main" id="1" dur="indefinite" restart="never" nodeType="tmRoot">
+        <p:cTn id="1" dur="indefinite" restart="never" nodeType="tmRoot">
           <p:childTnLst>
             <p:seq concurrent="1" nextAc="seek">
               <p:cTn id="2" dur="indefinite" nodeType="mainSeq">
@@ -4815,7 +4788,7 @@
           <a:lstStyle/>
           <a:p>
             <a:r>
-              <a:rPr lang="en-US" dirty="0" smtClean="0">
+              <a:rPr lang="en-US" dirty="0">
                 <a:latin typeface="Avenir Black"/>
                 <a:cs typeface="Avenir Black"/>
               </a:rPr>
@@ -4823,141 +4796,137 @@
             </a:r>
           </a:p>
           <a:p>
-            <a:endParaRPr lang="en-US" dirty="0" smtClean="0">
-              <a:latin typeface="Courier"/>
-              <a:cs typeface="Courier"/>
-            </a:endParaRPr>
-          </a:p>
-          <a:p>
-            <a:r>
-              <a:rPr lang="en-US" dirty="0" smtClean="0">
-                <a:latin typeface="Courier"/>
-                <a:cs typeface="Courier"/>
-              </a:rPr>
-              <a:t>&gt; </a:t>
-            </a:r>
-            <a:r>
-              <a:rPr lang="en-US" dirty="0" err="1" smtClean="0">
-                <a:latin typeface="Courier"/>
-                <a:cs typeface="Courier"/>
-              </a:rPr>
-              <a:t>hem_right</a:t>
-            </a:r>
-            <a:r>
-              <a:rPr lang="en-US" dirty="0" smtClean="0">
-                <a:latin typeface="Courier"/>
-                <a:cs typeface="Courier"/>
-              </a:rPr>
-              <a:t> &lt;- </a:t>
-            </a:r>
-            <a:r>
-              <a:rPr lang="en-US" dirty="0" err="1" smtClean="0">
-                <a:latin typeface="Courier"/>
-                <a:cs typeface="Courier"/>
-              </a:rPr>
-              <a:t>right_join</a:t>
-            </a:r>
-            <a:r>
-              <a:rPr lang="en-US" dirty="0" smtClean="0">
-                <a:latin typeface="Courier"/>
-                <a:cs typeface="Courier"/>
-              </a:rPr>
-              <a:t>(</a:t>
-            </a:r>
-            <a:r>
-              <a:rPr lang="en-US" dirty="0" err="1" smtClean="0">
-                <a:latin typeface="Courier"/>
-                <a:cs typeface="Courier"/>
-              </a:rPr>
-              <a:t>hemlock_data</a:t>
-            </a:r>
-            <a:r>
-              <a:rPr lang="en-US" dirty="0" smtClean="0">
-                <a:latin typeface="Courier"/>
-                <a:cs typeface="Courier"/>
-              </a:rPr>
-              <a:t>, </a:t>
-            </a:r>
-            <a:r>
-              <a:rPr lang="en-US" dirty="0" err="1" smtClean="0">
-                <a:latin typeface="Courier"/>
-                <a:cs typeface="Courier"/>
-              </a:rPr>
-              <a:t>hemlock_sites</a:t>
-            </a:r>
-            <a:r>
-              <a:rPr lang="en-US" dirty="0" smtClean="0">
-                <a:latin typeface="Courier"/>
-                <a:cs typeface="Courier"/>
-              </a:rPr>
-              <a:t>)</a:t>
-            </a:r>
-          </a:p>
-          <a:p>
-            <a:r>
-              <a:rPr lang="en-US" dirty="0" smtClean="0">
-                <a:latin typeface="Courier"/>
-                <a:cs typeface="Courier"/>
-              </a:rPr>
-              <a:t>Joining by: c("Stand", "Year", "Latitude", "Longitude")</a:t>
-            </a:r>
-          </a:p>
-          <a:p>
-            <a:endParaRPr lang="en-US" dirty="0" smtClean="0">
-              <a:latin typeface="Courier"/>
-              <a:cs typeface="Courier"/>
-            </a:endParaRPr>
-          </a:p>
-          <a:p>
-            <a:r>
-              <a:rPr lang="en-US" dirty="0" smtClean="0">
-                <a:latin typeface="Courier"/>
-                <a:cs typeface="Courier"/>
-              </a:rPr>
-              <a:t>&gt; </a:t>
-            </a:r>
-            <a:r>
-              <a:rPr lang="en-US" dirty="0" err="1" smtClean="0">
-                <a:latin typeface="Courier"/>
-                <a:cs typeface="Courier"/>
-              </a:rPr>
-              <a:t>nrow</a:t>
-            </a:r>
-            <a:r>
-              <a:rPr lang="en-US" dirty="0" smtClean="0">
-                <a:latin typeface="Courier"/>
-                <a:cs typeface="Courier"/>
-              </a:rPr>
-              <a:t>(</a:t>
-            </a:r>
-            <a:r>
-              <a:rPr lang="en-US" dirty="0" err="1" smtClean="0">
-                <a:latin typeface="Courier"/>
-                <a:cs typeface="Courier"/>
-              </a:rPr>
-              <a:t>hem_right</a:t>
-            </a:r>
-            <a:r>
-              <a:rPr lang="en-US" dirty="0" smtClean="0">
-                <a:latin typeface="Courier"/>
-                <a:cs typeface="Courier"/>
-              </a:rPr>
-              <a:t>)</a:t>
-            </a:r>
-          </a:p>
-          <a:p>
-            <a:r>
-              <a:rPr lang="en-US" dirty="0" smtClean="0">
-                <a:latin typeface="Courier"/>
-                <a:cs typeface="Courier"/>
-              </a:rPr>
-              <a:t>[1] 111</a:t>
-            </a:r>
             <a:endParaRPr lang="en-US" dirty="0">
               <a:latin typeface="Courier"/>
               <a:cs typeface="Courier"/>
             </a:endParaRPr>
           </a:p>
+          <a:p>
+            <a:r>
+              <a:rPr lang="en-US" dirty="0">
+                <a:latin typeface="Courier"/>
+                <a:cs typeface="Courier"/>
+              </a:rPr>
+              <a:t>&gt; </a:t>
+            </a:r>
+            <a:r>
+              <a:rPr lang="en-US" dirty="0" err="1">
+                <a:latin typeface="Courier"/>
+                <a:cs typeface="Courier"/>
+              </a:rPr>
+              <a:t>hem_right</a:t>
+            </a:r>
+            <a:r>
+              <a:rPr lang="en-US" dirty="0">
+                <a:latin typeface="Courier"/>
+                <a:cs typeface="Courier"/>
+              </a:rPr>
+              <a:t> &lt;- </a:t>
+            </a:r>
+            <a:r>
+              <a:rPr lang="en-US" dirty="0" err="1">
+                <a:latin typeface="Courier"/>
+                <a:cs typeface="Courier"/>
+              </a:rPr>
+              <a:t>right_join</a:t>
+            </a:r>
+            <a:r>
+              <a:rPr lang="en-US" dirty="0">
+                <a:latin typeface="Courier"/>
+                <a:cs typeface="Courier"/>
+              </a:rPr>
+              <a:t>(</a:t>
+            </a:r>
+            <a:r>
+              <a:rPr lang="en-US" dirty="0" err="1">
+                <a:latin typeface="Courier"/>
+                <a:cs typeface="Courier"/>
+              </a:rPr>
+              <a:t>hemlock_data</a:t>
+            </a:r>
+            <a:r>
+              <a:rPr lang="en-US" dirty="0">
+                <a:latin typeface="Courier"/>
+                <a:cs typeface="Courier"/>
+              </a:rPr>
+              <a:t>, </a:t>
+            </a:r>
+            <a:r>
+              <a:rPr lang="en-US" dirty="0" err="1">
+                <a:latin typeface="Courier"/>
+                <a:cs typeface="Courier"/>
+              </a:rPr>
+              <a:t>hemlock_sites</a:t>
+            </a:r>
+            <a:r>
+              <a:rPr lang="en-US" dirty="0">
+                <a:latin typeface="Courier"/>
+                <a:cs typeface="Courier"/>
+              </a:rPr>
+              <a:t>)</a:t>
+            </a:r>
+          </a:p>
+          <a:p>
+            <a:r>
+              <a:rPr lang="en-US" dirty="0">
+                <a:latin typeface="Courier"/>
+                <a:cs typeface="Courier"/>
+              </a:rPr>
+              <a:t>Joining by: c("Stand", "Year", "Latitude", "Longitude")</a:t>
+            </a:r>
+          </a:p>
+          <a:p>
+            <a:endParaRPr lang="en-US" dirty="0">
+              <a:latin typeface="Courier"/>
+              <a:cs typeface="Courier"/>
+            </a:endParaRPr>
+          </a:p>
+          <a:p>
+            <a:r>
+              <a:rPr lang="en-US" dirty="0">
+                <a:latin typeface="Courier"/>
+                <a:cs typeface="Courier"/>
+              </a:rPr>
+              <a:t>&gt; </a:t>
+            </a:r>
+            <a:r>
+              <a:rPr lang="en-US" dirty="0" err="1">
+                <a:latin typeface="Courier"/>
+                <a:cs typeface="Courier"/>
+              </a:rPr>
+              <a:t>nrow</a:t>
+            </a:r>
+            <a:r>
+              <a:rPr lang="en-US" dirty="0">
+                <a:latin typeface="Courier"/>
+                <a:cs typeface="Courier"/>
+              </a:rPr>
+              <a:t>(</a:t>
+            </a:r>
+            <a:r>
+              <a:rPr lang="en-US" dirty="0" err="1">
+                <a:latin typeface="Courier"/>
+                <a:cs typeface="Courier"/>
+              </a:rPr>
+              <a:t>hem_right</a:t>
+            </a:r>
+            <a:r>
+              <a:rPr lang="en-US" dirty="0">
+                <a:latin typeface="Courier"/>
+                <a:cs typeface="Courier"/>
+              </a:rPr>
+              <a:t>)</a:t>
+            </a:r>
+          </a:p>
+          <a:p>
+            <a:r>
+              <a:rPr lang="en-US" dirty="0">
+                <a:latin typeface="Courier"/>
+                <a:cs typeface="Courier"/>
+              </a:rPr>
+              <a:t>[1] 111</a:t>
+            </a:r>
+          </a:p>
         </p:txBody>
       </p:sp>
       <p:sp>
@@ -4978,10 +4947,9 @@
           <a:lstStyle/>
           <a:p>
             <a:r>
-              <a:rPr lang="en-US" dirty="0" smtClean="0"/>
+              <a:rPr lang="en-US" dirty="0"/>
               <a:t>Right Join: Retain Rows with NAs in Second Dataset</a:t>
             </a:r>
-            <a:endParaRPr lang="en-US" dirty="0"/>
           </a:p>
         </p:txBody>
       </p:sp>
@@ -5027,7 +4995,7 @@
   <p:timing>
     <p:tnLst>
       <p:par>
-        <p:cTn xmlns:p14="http://schemas.microsoft.com/office/powerpoint/2010/main" id="1" dur="indefinite" restart="never" nodeType="tmRoot">
+        <p:cTn id="1" dur="indefinite" restart="never" nodeType="tmRoot">
           <p:childTnLst>
             <p:seq concurrent="1" nextAc="seek">
               <p:cTn id="2" dur="indefinite" nodeType="mainSeq">
@@ -5149,7 +5117,7 @@
           <a:lstStyle/>
           <a:p>
             <a:r>
-              <a:rPr lang="en-US" dirty="0" smtClean="0">
+              <a:rPr lang="en-US" dirty="0">
                 <a:latin typeface="Avenir Black"/>
                 <a:cs typeface="Avenir Black"/>
               </a:rPr>
@@ -5157,141 +5125,137 @@
             </a:r>
           </a:p>
           <a:p>
-            <a:endParaRPr lang="en-US" dirty="0" smtClean="0">
-              <a:latin typeface="Courier"/>
-              <a:cs typeface="Courier"/>
-            </a:endParaRPr>
-          </a:p>
-          <a:p>
-            <a:r>
-              <a:rPr lang="en-US" dirty="0" smtClean="0">
-                <a:latin typeface="Courier"/>
-                <a:cs typeface="Courier"/>
-              </a:rPr>
-              <a:t>&gt; </a:t>
-            </a:r>
-            <a:r>
-              <a:rPr lang="en-US" dirty="0" err="1" smtClean="0">
-                <a:latin typeface="Courier"/>
-                <a:cs typeface="Courier"/>
-              </a:rPr>
-              <a:t>hem_full</a:t>
-            </a:r>
-            <a:r>
-              <a:rPr lang="en-US" dirty="0" smtClean="0">
-                <a:latin typeface="Courier"/>
-                <a:cs typeface="Courier"/>
-              </a:rPr>
-              <a:t> &lt;- </a:t>
-            </a:r>
-            <a:r>
-              <a:rPr lang="en-US" dirty="0" err="1" smtClean="0">
-                <a:latin typeface="Courier"/>
-                <a:cs typeface="Courier"/>
-              </a:rPr>
-              <a:t>full_join</a:t>
-            </a:r>
-            <a:r>
-              <a:rPr lang="en-US" dirty="0" smtClean="0">
-                <a:latin typeface="Courier"/>
-                <a:cs typeface="Courier"/>
-              </a:rPr>
-              <a:t>(</a:t>
-            </a:r>
-            <a:r>
-              <a:rPr lang="en-US" dirty="0" err="1" smtClean="0">
-                <a:latin typeface="Courier"/>
-                <a:cs typeface="Courier"/>
-              </a:rPr>
-              <a:t>hemlock_data</a:t>
-            </a:r>
-            <a:r>
-              <a:rPr lang="en-US" dirty="0" smtClean="0">
-                <a:latin typeface="Courier"/>
-                <a:cs typeface="Courier"/>
-              </a:rPr>
-              <a:t>, </a:t>
-            </a:r>
-            <a:r>
-              <a:rPr lang="en-US" dirty="0" err="1" smtClean="0">
-                <a:latin typeface="Courier"/>
-                <a:cs typeface="Courier"/>
-              </a:rPr>
-              <a:t>hemlock_sites</a:t>
-            </a:r>
-            <a:r>
-              <a:rPr lang="en-US" dirty="0" smtClean="0">
-                <a:latin typeface="Courier"/>
-                <a:cs typeface="Courier"/>
-              </a:rPr>
-              <a:t>)</a:t>
-            </a:r>
-          </a:p>
-          <a:p>
-            <a:r>
-              <a:rPr lang="en-US" dirty="0" smtClean="0">
-                <a:latin typeface="Courier"/>
-                <a:cs typeface="Courier"/>
-              </a:rPr>
-              <a:t>Joining by: c("Stand", "Year", "Latitude", "Longitude")</a:t>
-            </a:r>
-          </a:p>
-          <a:p>
-            <a:endParaRPr lang="en-US" dirty="0" smtClean="0">
-              <a:latin typeface="Courier"/>
-              <a:cs typeface="Courier"/>
-            </a:endParaRPr>
-          </a:p>
-          <a:p>
-            <a:r>
-              <a:rPr lang="en-US" dirty="0" smtClean="0">
-                <a:latin typeface="Courier"/>
-                <a:cs typeface="Courier"/>
-              </a:rPr>
-              <a:t>&gt; </a:t>
-            </a:r>
-            <a:r>
-              <a:rPr lang="en-US" dirty="0" err="1" smtClean="0">
-                <a:latin typeface="Courier"/>
-                <a:cs typeface="Courier"/>
-              </a:rPr>
-              <a:t>nrow</a:t>
-            </a:r>
-            <a:r>
-              <a:rPr lang="en-US" dirty="0" smtClean="0">
-                <a:latin typeface="Courier"/>
-                <a:cs typeface="Courier"/>
-              </a:rPr>
-              <a:t>(</a:t>
-            </a:r>
-            <a:r>
-              <a:rPr lang="en-US" dirty="0" err="1" smtClean="0">
-                <a:latin typeface="Courier"/>
-                <a:cs typeface="Courier"/>
-              </a:rPr>
-              <a:t>hem_full</a:t>
-            </a:r>
-            <a:r>
-              <a:rPr lang="en-US" dirty="0" smtClean="0">
-                <a:latin typeface="Courier"/>
-                <a:cs typeface="Courier"/>
-              </a:rPr>
-              <a:t>)</a:t>
-            </a:r>
-          </a:p>
-          <a:p>
-            <a:r>
-              <a:rPr lang="en-US" dirty="0" smtClean="0">
-                <a:latin typeface="Courier"/>
-                <a:cs typeface="Courier"/>
-              </a:rPr>
-              <a:t>[1] 122</a:t>
-            </a:r>
             <a:endParaRPr lang="en-US" dirty="0">
               <a:latin typeface="Courier"/>
               <a:cs typeface="Courier"/>
             </a:endParaRPr>
           </a:p>
+          <a:p>
+            <a:r>
+              <a:rPr lang="en-US" dirty="0">
+                <a:latin typeface="Courier"/>
+                <a:cs typeface="Courier"/>
+              </a:rPr>
+              <a:t>&gt; </a:t>
+            </a:r>
+            <a:r>
+              <a:rPr lang="en-US" dirty="0" err="1">
+                <a:latin typeface="Courier"/>
+                <a:cs typeface="Courier"/>
+              </a:rPr>
+              <a:t>hem_full</a:t>
+            </a:r>
+            <a:r>
+              <a:rPr lang="en-US" dirty="0">
+                <a:latin typeface="Courier"/>
+                <a:cs typeface="Courier"/>
+              </a:rPr>
+              <a:t> &lt;- </a:t>
+            </a:r>
+            <a:r>
+              <a:rPr lang="en-US" dirty="0" err="1">
+                <a:latin typeface="Courier"/>
+                <a:cs typeface="Courier"/>
+              </a:rPr>
+              <a:t>full_join</a:t>
+            </a:r>
+            <a:r>
+              <a:rPr lang="en-US" dirty="0">
+                <a:latin typeface="Courier"/>
+                <a:cs typeface="Courier"/>
+              </a:rPr>
+              <a:t>(</a:t>
+            </a:r>
+            <a:r>
+              <a:rPr lang="en-US" dirty="0" err="1">
+                <a:latin typeface="Courier"/>
+                <a:cs typeface="Courier"/>
+              </a:rPr>
+              <a:t>hemlock_data</a:t>
+            </a:r>
+            <a:r>
+              <a:rPr lang="en-US" dirty="0">
+                <a:latin typeface="Courier"/>
+                <a:cs typeface="Courier"/>
+              </a:rPr>
+              <a:t>, </a:t>
+            </a:r>
+            <a:r>
+              <a:rPr lang="en-US" dirty="0" err="1">
+                <a:latin typeface="Courier"/>
+                <a:cs typeface="Courier"/>
+              </a:rPr>
+              <a:t>hemlock_sites</a:t>
+            </a:r>
+            <a:r>
+              <a:rPr lang="en-US" dirty="0">
+                <a:latin typeface="Courier"/>
+                <a:cs typeface="Courier"/>
+              </a:rPr>
+              <a:t>)</a:t>
+            </a:r>
+          </a:p>
+          <a:p>
+            <a:r>
+              <a:rPr lang="en-US" dirty="0">
+                <a:latin typeface="Courier"/>
+                <a:cs typeface="Courier"/>
+              </a:rPr>
+              <a:t>Joining by: c("Stand", "Year", "Latitude", "Longitude")</a:t>
+            </a:r>
+          </a:p>
+          <a:p>
+            <a:endParaRPr lang="en-US" dirty="0">
+              <a:latin typeface="Courier"/>
+              <a:cs typeface="Courier"/>
+            </a:endParaRPr>
+          </a:p>
+          <a:p>
+            <a:r>
+              <a:rPr lang="en-US" dirty="0">
+                <a:latin typeface="Courier"/>
+                <a:cs typeface="Courier"/>
+              </a:rPr>
+              <a:t>&gt; </a:t>
+            </a:r>
+            <a:r>
+              <a:rPr lang="en-US" dirty="0" err="1">
+                <a:latin typeface="Courier"/>
+                <a:cs typeface="Courier"/>
+              </a:rPr>
+              <a:t>nrow</a:t>
+            </a:r>
+            <a:r>
+              <a:rPr lang="en-US" dirty="0">
+                <a:latin typeface="Courier"/>
+                <a:cs typeface="Courier"/>
+              </a:rPr>
+              <a:t>(</a:t>
+            </a:r>
+            <a:r>
+              <a:rPr lang="en-US" dirty="0" err="1">
+                <a:latin typeface="Courier"/>
+                <a:cs typeface="Courier"/>
+              </a:rPr>
+              <a:t>hem_full</a:t>
+            </a:r>
+            <a:r>
+              <a:rPr lang="en-US" dirty="0">
+                <a:latin typeface="Courier"/>
+                <a:cs typeface="Courier"/>
+              </a:rPr>
+              <a:t>)</a:t>
+            </a:r>
+          </a:p>
+          <a:p>
+            <a:r>
+              <a:rPr lang="en-US" dirty="0">
+                <a:latin typeface="Courier"/>
+                <a:cs typeface="Courier"/>
+              </a:rPr>
+              <a:t>[1] 122</a:t>
+            </a:r>
+          </a:p>
         </p:txBody>
       </p:sp>
       <p:sp>
@@ -5312,10 +5276,9 @@
           <a:lstStyle/>
           <a:p>
             <a:r>
-              <a:rPr lang="en-US" dirty="0" smtClean="0"/>
+              <a:rPr lang="en-US" dirty="0"/>
               <a:t>Full Join: Bring it All Together</a:t>
             </a:r>
-            <a:endParaRPr lang="en-US" dirty="0"/>
           </a:p>
         </p:txBody>
       </p:sp>
@@ -5361,7 +5324,7 @@
   <p:timing>
     <p:tnLst>
       <p:par>
-        <p:cTn xmlns:p14="http://schemas.microsoft.com/office/powerpoint/2010/main" id="1" dur="indefinite" restart="never" nodeType="tmRoot">
+        <p:cTn id="1" dur="indefinite" restart="never" nodeType="tmRoot">
           <p:childTnLst>
             <p:seq concurrent="1" nextAc="seek">
               <p:cTn id="2" dur="indefinite" nodeType="mainSeq">
@@ -5476,10 +5439,9 @@
           <a:lstStyle/>
           <a:p>
             <a:r>
-              <a:rPr lang="en-US" dirty="0" smtClean="0"/>
+              <a:rPr lang="en-US" dirty="0"/>
               <a:t>The Joins</a:t>
             </a:r>
-            <a:endParaRPr lang="en-US" dirty="0"/>
           </a:p>
         </p:txBody>
       </p:sp>
@@ -5559,10 +5521,9 @@
           <a:lstStyle/>
           <a:p>
             <a:r>
-              <a:rPr lang="en-US" dirty="0" smtClean="0"/>
+              <a:rPr lang="en-US" dirty="0"/>
               <a:t>Filtering Joins</a:t>
             </a:r>
-            <a:endParaRPr lang="en-US" dirty="0"/>
           </a:p>
         </p:txBody>
       </p:sp>
@@ -5582,7 +5543,7 @@
           <a:lstStyle/>
           <a:p>
             <a:r>
-              <a:rPr lang="en-US" dirty="0" smtClean="0"/>
+              <a:rPr lang="en-US" dirty="0"/>
               <a:t>I only want data that matches a set of criteria</a:t>
             </a:r>
           </a:p>
@@ -5591,18 +5552,17 @@
           </a:p>
           <a:p>
             <a:r>
-              <a:rPr lang="en-US" dirty="0" smtClean="0"/>
+              <a:rPr lang="en-US" dirty="0"/>
               <a:t>Like outer joins with a second </a:t>
             </a:r>
             <a:r>
-              <a:rPr lang="en-US" dirty="0" err="1" smtClean="0"/>
+              <a:rPr lang="en-US" dirty="0" err="1"/>
               <a:t>na.omit</a:t>
             </a:r>
             <a:r>
-              <a:rPr lang="en-US" dirty="0" smtClean="0"/>
+              <a:rPr lang="en-US" dirty="0"/>
               <a:t> step</a:t>
             </a:r>
-            <a:endParaRPr lang="en-US" dirty="0"/>
           </a:p>
         </p:txBody>
       </p:sp>
@@ -5659,7 +5619,7 @@
           <a:lstStyle/>
           <a:p>
             <a:r>
-              <a:rPr lang="en-US" dirty="0" smtClean="0">
+              <a:rPr lang="en-US" dirty="0">
                 <a:latin typeface="Avenir Black"/>
                 <a:cs typeface="Avenir Black"/>
               </a:rPr>
@@ -5667,141 +5627,137 @@
             </a:r>
           </a:p>
           <a:p>
-            <a:endParaRPr lang="en-US" dirty="0" smtClean="0">
-              <a:latin typeface="Courier"/>
-              <a:cs typeface="Courier"/>
-            </a:endParaRPr>
-          </a:p>
-          <a:p>
-            <a:r>
-              <a:rPr lang="en-US" dirty="0" smtClean="0">
-                <a:latin typeface="Courier"/>
-                <a:cs typeface="Courier"/>
-              </a:rPr>
-              <a:t>&gt; </a:t>
-            </a:r>
-            <a:r>
-              <a:rPr lang="en-US" dirty="0" err="1" smtClean="0">
-                <a:latin typeface="Courier"/>
-                <a:cs typeface="Courier"/>
-              </a:rPr>
-              <a:t>hem_semi</a:t>
-            </a:r>
-            <a:r>
-              <a:rPr lang="en-US" dirty="0" smtClean="0">
-                <a:latin typeface="Courier"/>
-                <a:cs typeface="Courier"/>
-              </a:rPr>
-              <a:t> &lt;- </a:t>
-            </a:r>
-            <a:r>
-              <a:rPr lang="en-US" dirty="0" err="1" smtClean="0">
-                <a:latin typeface="Courier"/>
-                <a:cs typeface="Courier"/>
-              </a:rPr>
-              <a:t>semi_join</a:t>
-            </a:r>
-            <a:r>
-              <a:rPr lang="en-US" dirty="0" smtClean="0">
-                <a:latin typeface="Courier"/>
-                <a:cs typeface="Courier"/>
-              </a:rPr>
-              <a:t>(</a:t>
-            </a:r>
-            <a:r>
-              <a:rPr lang="en-US" dirty="0" err="1" smtClean="0">
-                <a:latin typeface="Courier"/>
-                <a:cs typeface="Courier"/>
-              </a:rPr>
-              <a:t>hemlock_data</a:t>
-            </a:r>
-            <a:r>
-              <a:rPr lang="en-US" dirty="0" smtClean="0">
-                <a:latin typeface="Courier"/>
-                <a:cs typeface="Courier"/>
-              </a:rPr>
-              <a:t>, </a:t>
-            </a:r>
-            <a:r>
-              <a:rPr lang="en-US" dirty="0" err="1" smtClean="0">
-                <a:latin typeface="Courier"/>
-                <a:cs typeface="Courier"/>
-              </a:rPr>
-              <a:t>hemlock_sites</a:t>
-            </a:r>
-            <a:r>
-              <a:rPr lang="en-US" dirty="0" smtClean="0">
-                <a:latin typeface="Courier"/>
-                <a:cs typeface="Courier"/>
-              </a:rPr>
-              <a:t>)</a:t>
-            </a:r>
-          </a:p>
-          <a:p>
-            <a:r>
-              <a:rPr lang="en-US" dirty="0" smtClean="0">
-                <a:latin typeface="Courier"/>
-                <a:cs typeface="Courier"/>
-              </a:rPr>
-              <a:t>Joining by: c("Stand", "Year", "Latitude", "Longitude")</a:t>
-            </a:r>
-          </a:p>
-          <a:p>
-            <a:endParaRPr lang="en-US" dirty="0" smtClean="0">
-              <a:latin typeface="Courier"/>
-              <a:cs typeface="Courier"/>
-            </a:endParaRPr>
-          </a:p>
-          <a:p>
-            <a:r>
-              <a:rPr lang="en-US" dirty="0" smtClean="0">
-                <a:latin typeface="Courier"/>
-                <a:cs typeface="Courier"/>
-              </a:rPr>
-              <a:t>&gt; </a:t>
-            </a:r>
-            <a:r>
-              <a:rPr lang="en-US" dirty="0" err="1" smtClean="0">
-                <a:latin typeface="Courier"/>
-                <a:cs typeface="Courier"/>
-              </a:rPr>
-              <a:t>nrow</a:t>
-            </a:r>
-            <a:r>
-              <a:rPr lang="en-US" dirty="0" smtClean="0">
-                <a:latin typeface="Courier"/>
-                <a:cs typeface="Courier"/>
-              </a:rPr>
-              <a:t>(</a:t>
-            </a:r>
-            <a:r>
-              <a:rPr lang="en-US" dirty="0" err="1" smtClean="0">
-                <a:latin typeface="Courier"/>
-                <a:cs typeface="Courier"/>
-              </a:rPr>
-              <a:t>hem_semi</a:t>
-            </a:r>
-            <a:r>
-              <a:rPr lang="en-US" dirty="0" smtClean="0">
-                <a:latin typeface="Courier"/>
-                <a:cs typeface="Courier"/>
-              </a:rPr>
-              <a:t>)</a:t>
-            </a:r>
-          </a:p>
-          <a:p>
-            <a:r>
-              <a:rPr lang="en-US" dirty="0" smtClean="0">
-                <a:latin typeface="Courier"/>
-                <a:cs typeface="Courier"/>
-              </a:rPr>
-              <a:t>[1] 87</a:t>
-            </a:r>
             <a:endParaRPr lang="en-US" dirty="0">
               <a:latin typeface="Courier"/>
               <a:cs typeface="Courier"/>
             </a:endParaRPr>
           </a:p>
+          <a:p>
+            <a:r>
+              <a:rPr lang="en-US" dirty="0">
+                <a:latin typeface="Courier"/>
+                <a:cs typeface="Courier"/>
+              </a:rPr>
+              <a:t>&gt; </a:t>
+            </a:r>
+            <a:r>
+              <a:rPr lang="en-US" dirty="0" err="1">
+                <a:latin typeface="Courier"/>
+                <a:cs typeface="Courier"/>
+              </a:rPr>
+              <a:t>hem_semi</a:t>
+            </a:r>
+            <a:r>
+              <a:rPr lang="en-US" dirty="0">
+                <a:latin typeface="Courier"/>
+                <a:cs typeface="Courier"/>
+              </a:rPr>
+              <a:t> &lt;- </a:t>
+            </a:r>
+            <a:r>
+              <a:rPr lang="en-US" dirty="0" err="1">
+                <a:latin typeface="Courier"/>
+                <a:cs typeface="Courier"/>
+              </a:rPr>
+              <a:t>semi_join</a:t>
+            </a:r>
+            <a:r>
+              <a:rPr lang="en-US" dirty="0">
+                <a:latin typeface="Courier"/>
+                <a:cs typeface="Courier"/>
+              </a:rPr>
+              <a:t>(</a:t>
+            </a:r>
+            <a:r>
+              <a:rPr lang="en-US" dirty="0" err="1">
+                <a:latin typeface="Courier"/>
+                <a:cs typeface="Courier"/>
+              </a:rPr>
+              <a:t>hemlock_data</a:t>
+            </a:r>
+            <a:r>
+              <a:rPr lang="en-US" dirty="0">
+                <a:latin typeface="Courier"/>
+                <a:cs typeface="Courier"/>
+              </a:rPr>
+              <a:t>, </a:t>
+            </a:r>
+            <a:r>
+              <a:rPr lang="en-US" dirty="0" err="1">
+                <a:latin typeface="Courier"/>
+                <a:cs typeface="Courier"/>
+              </a:rPr>
+              <a:t>hemlock_sites</a:t>
+            </a:r>
+            <a:r>
+              <a:rPr lang="en-US" dirty="0">
+                <a:latin typeface="Courier"/>
+                <a:cs typeface="Courier"/>
+              </a:rPr>
+              <a:t>)</a:t>
+            </a:r>
+          </a:p>
+          <a:p>
+            <a:r>
+              <a:rPr lang="en-US" dirty="0">
+                <a:latin typeface="Courier"/>
+                <a:cs typeface="Courier"/>
+              </a:rPr>
+              <a:t>Joining by: c("Stand", "Year", "Latitude", "Longitude")</a:t>
+            </a:r>
+          </a:p>
+          <a:p>
+            <a:endParaRPr lang="en-US" dirty="0">
+              <a:latin typeface="Courier"/>
+              <a:cs typeface="Courier"/>
+            </a:endParaRPr>
+          </a:p>
+          <a:p>
+            <a:r>
+              <a:rPr lang="en-US" dirty="0">
+                <a:latin typeface="Courier"/>
+                <a:cs typeface="Courier"/>
+              </a:rPr>
+              <a:t>&gt; </a:t>
+            </a:r>
+            <a:r>
+              <a:rPr lang="en-US" dirty="0" err="1">
+                <a:latin typeface="Courier"/>
+                <a:cs typeface="Courier"/>
+              </a:rPr>
+              <a:t>nrow</a:t>
+            </a:r>
+            <a:r>
+              <a:rPr lang="en-US" dirty="0">
+                <a:latin typeface="Courier"/>
+                <a:cs typeface="Courier"/>
+              </a:rPr>
+              <a:t>(</a:t>
+            </a:r>
+            <a:r>
+              <a:rPr lang="en-US" dirty="0" err="1">
+                <a:latin typeface="Courier"/>
+                <a:cs typeface="Courier"/>
+              </a:rPr>
+              <a:t>hem_semi</a:t>
+            </a:r>
+            <a:r>
+              <a:rPr lang="en-US" dirty="0">
+                <a:latin typeface="Courier"/>
+                <a:cs typeface="Courier"/>
+              </a:rPr>
+              <a:t>)</a:t>
+            </a:r>
+          </a:p>
+          <a:p>
+            <a:r>
+              <a:rPr lang="en-US" dirty="0">
+                <a:latin typeface="Courier"/>
+                <a:cs typeface="Courier"/>
+              </a:rPr>
+              <a:t>[1] 87</a:t>
+            </a:r>
+          </a:p>
         </p:txBody>
       </p:sp>
       <p:sp>
@@ -5822,10 +5778,9 @@
           <a:lstStyle/>
           <a:p>
             <a:r>
-              <a:rPr lang="en-US" dirty="0" smtClean="0"/>
+              <a:rPr lang="en-US" dirty="0"/>
               <a:t>Semi Join: X %in% Y</a:t>
             </a:r>
-            <a:endParaRPr lang="en-US" dirty="0"/>
           </a:p>
         </p:txBody>
       </p:sp>
@@ -5872,7 +5827,7 @@
   <p:timing>
     <p:tnLst>
       <p:par>
-        <p:cTn xmlns:p14="http://schemas.microsoft.com/office/powerpoint/2010/main" id="1" dur="indefinite" restart="never" nodeType="tmRoot">
+        <p:cTn id="1" dur="indefinite" restart="never" nodeType="tmRoot">
           <p:childTnLst>
             <p:seq concurrent="1" nextAc="seek">
               <p:cTn id="2" dur="indefinite" nodeType="mainSeq">
@@ -5987,10 +5942,9 @@
           <a:lstStyle/>
           <a:p>
             <a:r>
-              <a:rPr lang="en-US" dirty="0" smtClean="0"/>
+              <a:rPr lang="en-US" dirty="0"/>
               <a:t>Merging Data</a:t>
             </a:r>
-            <a:endParaRPr lang="en-US" dirty="0"/>
           </a:p>
         </p:txBody>
       </p:sp>
@@ -6010,7 +5964,7 @@
           <a:lstStyle/>
           <a:p>
             <a:r>
-              <a:rPr lang="en-US" dirty="0" smtClean="0"/>
+              <a:rPr lang="en-US" dirty="0"/>
               <a:t>Problem: I have two data sets</a:t>
             </a:r>
           </a:p>
@@ -6019,7 +5973,7 @@
           </a:p>
           <a:p>
             <a:r>
-              <a:rPr lang="en-US" dirty="0" smtClean="0"/>
+              <a:rPr lang="en-US" dirty="0"/>
               <a:t>One is biological information</a:t>
             </a:r>
           </a:p>
@@ -6028,7 +5982,7 @@
           </a:p>
           <a:p>
             <a:r>
-              <a:rPr lang="en-US" dirty="0" smtClean="0"/>
+              <a:rPr lang="en-US" dirty="0"/>
               <a:t>One is physical information</a:t>
             </a:r>
           </a:p>
@@ -6037,18 +5991,17 @@
           </a:p>
           <a:p>
             <a:r>
-              <a:rPr lang="en-US" dirty="0" smtClean="0"/>
+              <a:rPr lang="en-US" dirty="0"/>
               <a:t>They have a common key – e.g., </a:t>
             </a:r>
             <a:r>
-              <a:rPr lang="en-US" dirty="0" err="1" smtClean="0"/>
+              <a:rPr lang="en-US" dirty="0" err="1"/>
               <a:t>Lat</a:t>
             </a:r>
             <a:r>
-              <a:rPr lang="en-US" dirty="0" smtClean="0"/>
+              <a:rPr lang="en-US" dirty="0"/>
               <a:t>/Long</a:t>
             </a:r>
-            <a:endParaRPr lang="en-US" dirty="0"/>
           </a:p>
         </p:txBody>
       </p:sp>
@@ -6105,7 +6058,7 @@
           <a:lstStyle/>
           <a:p>
             <a:r>
-              <a:rPr lang="en-US" dirty="0" smtClean="0">
+              <a:rPr lang="en-US" dirty="0">
                 <a:latin typeface="Avenir Black"/>
                 <a:cs typeface="Avenir Black"/>
               </a:rPr>
@@ -6113,141 +6066,137 @@
             </a:r>
           </a:p>
           <a:p>
-            <a:endParaRPr lang="en-US" dirty="0" smtClean="0">
-              <a:latin typeface="Courier"/>
-              <a:cs typeface="Courier"/>
-            </a:endParaRPr>
-          </a:p>
-          <a:p>
-            <a:r>
-              <a:rPr lang="en-US" dirty="0" smtClean="0">
-                <a:latin typeface="Courier"/>
-                <a:cs typeface="Courier"/>
-              </a:rPr>
-              <a:t>&gt; </a:t>
-            </a:r>
-            <a:r>
-              <a:rPr lang="en-US" dirty="0" err="1" smtClean="0">
-                <a:latin typeface="Courier"/>
-                <a:cs typeface="Courier"/>
-              </a:rPr>
-              <a:t>hem_anti</a:t>
-            </a:r>
-            <a:r>
-              <a:rPr lang="en-US" dirty="0" smtClean="0">
-                <a:latin typeface="Courier"/>
-                <a:cs typeface="Courier"/>
-              </a:rPr>
-              <a:t> &lt;- </a:t>
-            </a:r>
-            <a:r>
-              <a:rPr lang="en-US" dirty="0" err="1" smtClean="0">
-                <a:latin typeface="Courier"/>
-                <a:cs typeface="Courier"/>
-              </a:rPr>
-              <a:t>anti_join</a:t>
-            </a:r>
-            <a:r>
-              <a:rPr lang="en-US" dirty="0" smtClean="0">
-                <a:latin typeface="Courier"/>
-                <a:cs typeface="Courier"/>
-              </a:rPr>
-              <a:t>(</a:t>
-            </a:r>
-            <a:r>
-              <a:rPr lang="en-US" dirty="0" err="1" smtClean="0">
-                <a:latin typeface="Courier"/>
-                <a:cs typeface="Courier"/>
-              </a:rPr>
-              <a:t>hemlock_data</a:t>
-            </a:r>
-            <a:r>
-              <a:rPr lang="en-US" dirty="0" smtClean="0">
-                <a:latin typeface="Courier"/>
-                <a:cs typeface="Courier"/>
-              </a:rPr>
-              <a:t>, </a:t>
-            </a:r>
-            <a:r>
-              <a:rPr lang="en-US" dirty="0" err="1" smtClean="0">
-                <a:latin typeface="Courier"/>
-                <a:cs typeface="Courier"/>
-              </a:rPr>
-              <a:t>hemlock_sites</a:t>
-            </a:r>
-            <a:r>
-              <a:rPr lang="en-US" dirty="0" smtClean="0">
-                <a:latin typeface="Courier"/>
-                <a:cs typeface="Courier"/>
-              </a:rPr>
-              <a:t>)</a:t>
-            </a:r>
-          </a:p>
-          <a:p>
-            <a:r>
-              <a:rPr lang="en-US" dirty="0" smtClean="0">
-                <a:latin typeface="Courier"/>
-                <a:cs typeface="Courier"/>
-              </a:rPr>
-              <a:t>Joining by: c("Stand", "Year", "Latitude", "Longitude")</a:t>
-            </a:r>
-          </a:p>
-          <a:p>
-            <a:endParaRPr lang="en-US" dirty="0" smtClean="0">
-              <a:latin typeface="Courier"/>
-              <a:cs typeface="Courier"/>
-            </a:endParaRPr>
-          </a:p>
-          <a:p>
-            <a:r>
-              <a:rPr lang="en-US" dirty="0" smtClean="0">
-                <a:latin typeface="Courier"/>
-                <a:cs typeface="Courier"/>
-              </a:rPr>
-              <a:t>&gt; </a:t>
-            </a:r>
-            <a:r>
-              <a:rPr lang="en-US" dirty="0" err="1" smtClean="0">
-                <a:latin typeface="Courier"/>
-                <a:cs typeface="Courier"/>
-              </a:rPr>
-              <a:t>nrow</a:t>
-            </a:r>
-            <a:r>
-              <a:rPr lang="en-US" dirty="0" smtClean="0">
-                <a:latin typeface="Courier"/>
-                <a:cs typeface="Courier"/>
-              </a:rPr>
-              <a:t>(</a:t>
-            </a:r>
-            <a:r>
-              <a:rPr lang="en-US" dirty="0" err="1" smtClean="0">
-                <a:latin typeface="Courier"/>
-                <a:cs typeface="Courier"/>
-              </a:rPr>
-              <a:t>hem_anti</a:t>
-            </a:r>
-            <a:r>
-              <a:rPr lang="en-US" dirty="0" smtClean="0">
-                <a:latin typeface="Courier"/>
-                <a:cs typeface="Courier"/>
-              </a:rPr>
-              <a:t>)</a:t>
-            </a:r>
-          </a:p>
-          <a:p>
-            <a:r>
-              <a:rPr lang="en-US" dirty="0" smtClean="0">
-                <a:latin typeface="Courier"/>
-                <a:cs typeface="Courier"/>
-              </a:rPr>
-              <a:t>[1] 11</a:t>
-            </a:r>
             <a:endParaRPr lang="en-US" dirty="0">
               <a:latin typeface="Courier"/>
               <a:cs typeface="Courier"/>
             </a:endParaRPr>
           </a:p>
+          <a:p>
+            <a:r>
+              <a:rPr lang="en-US" dirty="0">
+                <a:latin typeface="Courier"/>
+                <a:cs typeface="Courier"/>
+              </a:rPr>
+              <a:t>&gt; </a:t>
+            </a:r>
+            <a:r>
+              <a:rPr lang="en-US" dirty="0" err="1">
+                <a:latin typeface="Courier"/>
+                <a:cs typeface="Courier"/>
+              </a:rPr>
+              <a:t>hem_anti</a:t>
+            </a:r>
+            <a:r>
+              <a:rPr lang="en-US" dirty="0">
+                <a:latin typeface="Courier"/>
+                <a:cs typeface="Courier"/>
+              </a:rPr>
+              <a:t> &lt;- </a:t>
+            </a:r>
+            <a:r>
+              <a:rPr lang="en-US" dirty="0" err="1">
+                <a:latin typeface="Courier"/>
+                <a:cs typeface="Courier"/>
+              </a:rPr>
+              <a:t>anti_join</a:t>
+            </a:r>
+            <a:r>
+              <a:rPr lang="en-US" dirty="0">
+                <a:latin typeface="Courier"/>
+                <a:cs typeface="Courier"/>
+              </a:rPr>
+              <a:t>(</a:t>
+            </a:r>
+            <a:r>
+              <a:rPr lang="en-US" dirty="0" err="1">
+                <a:latin typeface="Courier"/>
+                <a:cs typeface="Courier"/>
+              </a:rPr>
+              <a:t>hemlock_data</a:t>
+            </a:r>
+            <a:r>
+              <a:rPr lang="en-US" dirty="0">
+                <a:latin typeface="Courier"/>
+                <a:cs typeface="Courier"/>
+              </a:rPr>
+              <a:t>, </a:t>
+            </a:r>
+            <a:r>
+              <a:rPr lang="en-US" dirty="0" err="1">
+                <a:latin typeface="Courier"/>
+                <a:cs typeface="Courier"/>
+              </a:rPr>
+              <a:t>hemlock_sites</a:t>
+            </a:r>
+            <a:r>
+              <a:rPr lang="en-US" dirty="0">
+                <a:latin typeface="Courier"/>
+                <a:cs typeface="Courier"/>
+              </a:rPr>
+              <a:t>)</a:t>
+            </a:r>
+          </a:p>
+          <a:p>
+            <a:r>
+              <a:rPr lang="en-US" dirty="0">
+                <a:latin typeface="Courier"/>
+                <a:cs typeface="Courier"/>
+              </a:rPr>
+              <a:t>Joining by: c("Stand", "Year", "Latitude", "Longitude")</a:t>
+            </a:r>
+          </a:p>
+          <a:p>
+            <a:endParaRPr lang="en-US" dirty="0">
+              <a:latin typeface="Courier"/>
+              <a:cs typeface="Courier"/>
+            </a:endParaRPr>
+          </a:p>
+          <a:p>
+            <a:r>
+              <a:rPr lang="en-US" dirty="0">
+                <a:latin typeface="Courier"/>
+                <a:cs typeface="Courier"/>
+              </a:rPr>
+              <a:t>&gt; </a:t>
+            </a:r>
+            <a:r>
+              <a:rPr lang="en-US" dirty="0" err="1">
+                <a:latin typeface="Courier"/>
+                <a:cs typeface="Courier"/>
+              </a:rPr>
+              <a:t>nrow</a:t>
+            </a:r>
+            <a:r>
+              <a:rPr lang="en-US" dirty="0">
+                <a:latin typeface="Courier"/>
+                <a:cs typeface="Courier"/>
+              </a:rPr>
+              <a:t>(</a:t>
+            </a:r>
+            <a:r>
+              <a:rPr lang="en-US" dirty="0" err="1">
+                <a:latin typeface="Courier"/>
+                <a:cs typeface="Courier"/>
+              </a:rPr>
+              <a:t>hem_anti</a:t>
+            </a:r>
+            <a:r>
+              <a:rPr lang="en-US" dirty="0">
+                <a:latin typeface="Courier"/>
+                <a:cs typeface="Courier"/>
+              </a:rPr>
+              <a:t>)</a:t>
+            </a:r>
+          </a:p>
+          <a:p>
+            <a:r>
+              <a:rPr lang="en-US" dirty="0">
+                <a:latin typeface="Courier"/>
+                <a:cs typeface="Courier"/>
+              </a:rPr>
+              <a:t>[1] 11</a:t>
+            </a:r>
+          </a:p>
         </p:txBody>
       </p:sp>
       <p:sp>
@@ -6268,10 +6217,9 @@
           <a:lstStyle/>
           <a:p>
             <a:r>
-              <a:rPr lang="en-US" dirty="0" smtClean="0"/>
+              <a:rPr lang="en-US" dirty="0"/>
               <a:t>Anti Join: X NOT %in% Y</a:t>
             </a:r>
-            <a:endParaRPr lang="en-US" dirty="0"/>
           </a:p>
         </p:txBody>
       </p:sp>
@@ -6318,7 +6266,7 @@
   <p:timing>
     <p:tnLst>
       <p:par>
-        <p:cTn xmlns:p14="http://schemas.microsoft.com/office/powerpoint/2010/main" id="1" dur="indefinite" restart="never" nodeType="tmRoot">
+        <p:cTn id="1" dur="indefinite" restart="never" nodeType="tmRoot">
           <p:childTnLst>
             <p:seq concurrent="1" nextAc="seek">
               <p:cTn id="2" dur="indefinite" nodeType="mainSeq">
@@ -6433,10 +6381,9 @@
           <a:lstStyle/>
           <a:p>
             <a:r>
-              <a:rPr lang="en-US" dirty="0" smtClean="0"/>
+              <a:rPr lang="en-US" dirty="0"/>
               <a:t>Exercise 1</a:t>
             </a:r>
-            <a:endParaRPr lang="en-US" dirty="0"/>
           </a:p>
         </p:txBody>
       </p:sp>
@@ -6456,7 +6403,7 @@
           <a:lstStyle/>
           <a:p>
             <a:r>
-              <a:rPr lang="en-US" dirty="0" smtClean="0"/>
+              <a:rPr lang="en-US" dirty="0"/>
               <a:t>You want to plot a map of the sites</a:t>
             </a:r>
           </a:p>
@@ -6465,7 +6412,7 @@
           </a:p>
           <a:p>
             <a:r>
-              <a:rPr lang="en-US" dirty="0" smtClean="0"/>
+              <a:rPr lang="en-US" dirty="0"/>
               <a:t>You want size of points to be area</a:t>
             </a:r>
           </a:p>
@@ -6474,10 +6421,9 @@
           </a:p>
           <a:p>
             <a:r>
-              <a:rPr lang="en-US" dirty="0" smtClean="0"/>
+              <a:rPr lang="en-US" dirty="0"/>
               <a:t>You want color of points to be dead Hemlock area</a:t>
             </a:r>
-            <a:endParaRPr lang="en-US" dirty="0"/>
           </a:p>
         </p:txBody>
       </p:sp>
@@ -6527,10 +6473,9 @@
           <a:lstStyle/>
           <a:p>
             <a:r>
-              <a:rPr lang="en-US" dirty="0" smtClean="0"/>
+              <a:rPr lang="en-US" dirty="0"/>
               <a:t>Exercise 2</a:t>
             </a:r>
-            <a:endParaRPr lang="en-US" dirty="0"/>
           </a:p>
         </p:txBody>
       </p:sp>
@@ -6552,8 +6497,16 @@
           <a:lstStyle/>
           <a:p>
             <a:r>
-              <a:rPr lang="en-US" dirty="0" smtClean="0"/>
-              <a:t>You want to plot a map of the sites</a:t>
+              <a:rPr lang="en-US" dirty="0"/>
+              <a:t>Use </a:t>
+            </a:r>
+            <a:r>
+              <a:rPr lang="en-US"/>
+              <a:t>ggplot2 to plot </a:t>
+            </a:r>
+            <a:r>
+              <a:rPr lang="en-US" dirty="0"/>
+              <a:t>a map of the sites</a:t>
             </a:r>
           </a:p>
           <a:p>
@@ -6561,7 +6514,7 @@
           </a:p>
           <a:p>
             <a:r>
-              <a:rPr lang="en-US" dirty="0" smtClean="0"/>
+              <a:rPr lang="en-US" dirty="0"/>
               <a:t>BUT – you want to show which sites are missing environmental data</a:t>
             </a:r>
           </a:p>
@@ -6570,16 +6523,8 @@
           </a:p>
           <a:p>
             <a:r>
-              <a:rPr lang="en-US" dirty="0" smtClean="0"/>
-              <a:t>AND – you want to </a:t>
-            </a:r>
-            <a:r>
-              <a:rPr lang="en-US" dirty="0" smtClean="0"/>
-              <a:t>show </a:t>
-            </a:r>
-            <a:r>
-              <a:rPr lang="en-US" dirty="0" smtClean="0"/>
-              <a:t>which sites are missing biological data</a:t>
+              <a:rPr lang="en-US" dirty="0"/>
+              <a:t>AND – you want to show which sites are missing biological data</a:t>
             </a:r>
           </a:p>
           <a:p>
@@ -6587,10 +6532,9 @@
           </a:p>
           <a:p>
             <a:r>
-              <a:rPr lang="en-US" dirty="0" smtClean="0"/>
+              <a:rPr lang="en-US" dirty="0"/>
               <a:t>(this might be more than one plot and more than one data join!)</a:t>
             </a:r>
-            <a:endParaRPr lang="en-US" dirty="0"/>
           </a:p>
         </p:txBody>
       </p:sp>
@@ -6640,10 +6584,9 @@
           <a:lstStyle/>
           <a:p>
             <a:r>
-              <a:rPr lang="en-US" dirty="0" smtClean="0"/>
+              <a:rPr lang="en-US" dirty="0"/>
               <a:t>JOIN</a:t>
             </a:r>
-            <a:endParaRPr lang="en-US" dirty="0"/>
           </a:p>
         </p:txBody>
       </p:sp>
@@ -6791,10 +6734,9 @@
           <a:lstStyle/>
           <a:p>
             <a:r>
-              <a:rPr lang="en-US" dirty="0" smtClean="0"/>
+              <a:rPr lang="en-US" dirty="0"/>
               <a:t>The data</a:t>
             </a:r>
-            <a:endParaRPr lang="en-US" dirty="0"/>
           </a:p>
         </p:txBody>
       </p:sp>
@@ -6824,7 +6766,7 @@
               <a:buNone/>
             </a:pPr>
             <a:r>
-              <a:rPr lang="de-DE" dirty="0" smtClean="0">
+              <a:rPr lang="de-DE" dirty="0">
                 <a:latin typeface="Courier"/>
                 <a:cs typeface="Courier"/>
               </a:rPr>
@@ -6835,7 +6777,7 @@
             <a:pPr marL="0" indent="0">
               <a:buNone/>
             </a:pPr>
-            <a:endParaRPr lang="de-DE" dirty="0" smtClean="0">
+            <a:endParaRPr lang="de-DE" dirty="0">
               <a:latin typeface="Courier"/>
               <a:cs typeface="Courier"/>
             </a:endParaRPr>
@@ -6845,7 +6787,7 @@
               <a:buNone/>
             </a:pPr>
             <a:r>
-              <a:rPr lang="de-DE" dirty="0" smtClean="0">
+              <a:rPr lang="de-DE" dirty="0">
                 <a:latin typeface="Courier"/>
                 <a:cs typeface="Courier"/>
               </a:rPr>
@@ -6856,7 +6798,7 @@
             <a:pPr marL="0" indent="0">
               <a:buNone/>
             </a:pPr>
-            <a:endParaRPr lang="de-DE" dirty="0" smtClean="0">
+            <a:endParaRPr lang="de-DE" dirty="0">
               <a:latin typeface="Courier"/>
               <a:cs typeface="Courier"/>
             </a:endParaRPr>
@@ -6866,35 +6808,35 @@
               <a:buNone/>
             </a:pPr>
             <a:r>
-              <a:rPr lang="en-US" dirty="0" smtClean="0">
+              <a:rPr lang="en-US" dirty="0">
                 <a:latin typeface="Courier"/>
                 <a:cs typeface="Courier"/>
               </a:rPr>
               <a:t>&gt; </a:t>
             </a:r>
             <a:r>
-              <a:rPr lang="en-US" dirty="0" err="1" smtClean="0">
+              <a:rPr lang="en-US" dirty="0" err="1">
                 <a:latin typeface="Courier"/>
                 <a:cs typeface="Courier"/>
               </a:rPr>
               <a:t>str</a:t>
             </a:r>
             <a:r>
-              <a:rPr lang="en-US" dirty="0" smtClean="0">
+              <a:rPr lang="en-US" dirty="0">
                 <a:latin typeface="Courier"/>
                 <a:cs typeface="Courier"/>
               </a:rPr>
               <a:t>(</a:t>
             </a:r>
             <a:r>
-              <a:rPr lang="en-US" dirty="0" err="1" smtClean="0">
+              <a:rPr lang="en-US" dirty="0" err="1">
                 <a:latin typeface="Courier"/>
                 <a:cs typeface="Courier"/>
               </a:rPr>
               <a:t>hemlock_data</a:t>
             </a:r>
             <a:r>
-              <a:rPr lang="en-US" dirty="0" smtClean="0">
+              <a:rPr lang="en-US" dirty="0">
                 <a:latin typeface="Courier"/>
                 <a:cs typeface="Courier"/>
               </a:rPr>
@@ -6906,49 +6848,49 @@
               <a:buNone/>
             </a:pPr>
             <a:r>
-              <a:rPr lang="en-US" dirty="0" smtClean="0">
+              <a:rPr lang="en-US" dirty="0">
                 <a:latin typeface="Courier"/>
                 <a:cs typeface="Courier"/>
               </a:rPr>
               <a:t>Classes ‘</a:t>
             </a:r>
             <a:r>
-              <a:rPr lang="en-US" dirty="0" err="1" smtClean="0">
+              <a:rPr lang="en-US" dirty="0" err="1">
                 <a:latin typeface="Courier"/>
                 <a:cs typeface="Courier"/>
               </a:rPr>
               <a:t>tbl_df</a:t>
             </a:r>
             <a:r>
-              <a:rPr lang="en-US" dirty="0" smtClean="0">
+              <a:rPr lang="en-US" dirty="0">
                 <a:latin typeface="Courier"/>
                 <a:cs typeface="Courier"/>
               </a:rPr>
               <a:t>’, ‘</a:t>
             </a:r>
             <a:r>
-              <a:rPr lang="en-US" dirty="0" err="1" smtClean="0">
+              <a:rPr lang="en-US" dirty="0" err="1">
                 <a:latin typeface="Courier"/>
                 <a:cs typeface="Courier"/>
               </a:rPr>
               <a:t>tbl</a:t>
             </a:r>
             <a:r>
-              <a:rPr lang="en-US" dirty="0" smtClean="0">
+              <a:rPr lang="en-US" dirty="0">
                 <a:latin typeface="Courier"/>
                 <a:cs typeface="Courier"/>
               </a:rPr>
               <a:t>’ and '</a:t>
             </a:r>
             <a:r>
-              <a:rPr lang="en-US" dirty="0" err="1" smtClean="0">
+              <a:rPr lang="en-US" dirty="0" err="1">
                 <a:latin typeface="Courier"/>
                 <a:cs typeface="Courier"/>
               </a:rPr>
               <a:t>data.frame</a:t>
             </a:r>
             <a:r>
-              <a:rPr lang="en-US" dirty="0" smtClean="0">
+              <a:rPr lang="en-US" dirty="0">
                 <a:latin typeface="Courier"/>
                 <a:cs typeface="Courier"/>
               </a:rPr>
@@ -6960,21 +6902,21 @@
               <a:buNone/>
             </a:pPr>
             <a:r>
-              <a:rPr lang="en-US" dirty="0" smtClean="0">
+              <a:rPr lang="en-US" dirty="0">
                 <a:latin typeface="Courier"/>
                 <a:cs typeface="Courier"/>
               </a:rPr>
               <a:t> $ Stand        : </a:t>
             </a:r>
             <a:r>
-              <a:rPr lang="en-US" dirty="0" err="1" smtClean="0">
+              <a:rPr lang="en-US" dirty="0" err="1">
                 <a:latin typeface="Courier"/>
                 <a:cs typeface="Courier"/>
               </a:rPr>
               <a:t>chr</a:t>
             </a:r>
             <a:r>
-              <a:rPr lang="en-US" dirty="0" smtClean="0">
+              <a:rPr lang="en-US" dirty="0">
                 <a:latin typeface="Courier"/>
                 <a:cs typeface="Courier"/>
               </a:rPr>
@@ -6986,21 +6928,21 @@
               <a:buNone/>
             </a:pPr>
             <a:r>
-              <a:rPr lang="en-US" dirty="0" smtClean="0">
+              <a:rPr lang="en-US" dirty="0">
                 <a:latin typeface="Courier"/>
                 <a:cs typeface="Courier"/>
               </a:rPr>
               <a:t> $ Year         : </a:t>
             </a:r>
             <a:r>
-              <a:rPr lang="en-US" dirty="0" err="1" smtClean="0">
+              <a:rPr lang="en-US" dirty="0" err="1">
                 <a:latin typeface="Courier"/>
                 <a:cs typeface="Courier"/>
               </a:rPr>
               <a:t>num</a:t>
             </a:r>
             <a:r>
-              <a:rPr lang="en-US" dirty="0" smtClean="0">
+              <a:rPr lang="en-US" dirty="0">
                 <a:latin typeface="Courier"/>
                 <a:cs typeface="Courier"/>
               </a:rPr>
@@ -7012,21 +6954,21 @@
               <a:buNone/>
             </a:pPr>
             <a:r>
-              <a:rPr lang="en-US" dirty="0" smtClean="0">
+              <a:rPr lang="en-US" dirty="0">
                 <a:latin typeface="Courier"/>
                 <a:cs typeface="Courier"/>
               </a:rPr>
               <a:t> $ Latitude     : </a:t>
             </a:r>
             <a:r>
-              <a:rPr lang="en-US" dirty="0" err="1" smtClean="0">
+              <a:rPr lang="en-US" dirty="0" err="1">
                 <a:latin typeface="Courier"/>
                 <a:cs typeface="Courier"/>
               </a:rPr>
               <a:t>num</a:t>
             </a:r>
             <a:r>
-              <a:rPr lang="en-US" dirty="0" smtClean="0">
+              <a:rPr lang="en-US" dirty="0">
                 <a:latin typeface="Courier"/>
                 <a:cs typeface="Courier"/>
               </a:rPr>
@@ -7038,21 +6980,21 @@
               <a:buNone/>
             </a:pPr>
             <a:r>
-              <a:rPr lang="en-US" dirty="0" smtClean="0">
+              <a:rPr lang="en-US" dirty="0">
                 <a:latin typeface="Courier"/>
                 <a:cs typeface="Courier"/>
               </a:rPr>
               <a:t> $ Longitude    : </a:t>
             </a:r>
             <a:r>
-              <a:rPr lang="en-US" dirty="0" err="1" smtClean="0">
+              <a:rPr lang="en-US" dirty="0" err="1">
                 <a:latin typeface="Courier"/>
                 <a:cs typeface="Courier"/>
               </a:rPr>
               <a:t>num</a:t>
             </a:r>
             <a:r>
-              <a:rPr lang="en-US" dirty="0" smtClean="0">
+              <a:rPr lang="en-US" dirty="0">
                 <a:latin typeface="Courier"/>
                 <a:cs typeface="Courier"/>
               </a:rPr>
@@ -7064,21 +7006,21 @@
               <a:buNone/>
             </a:pPr>
             <a:r>
-              <a:rPr lang="en-US" dirty="0" smtClean="0">
+              <a:rPr lang="en-US" dirty="0">
                 <a:latin typeface="Courier"/>
                 <a:cs typeface="Courier"/>
               </a:rPr>
               <a:t> $ Live BA      : </a:t>
             </a:r>
             <a:r>
-              <a:rPr lang="en-US" dirty="0" err="1" smtClean="0">
+              <a:rPr lang="en-US" dirty="0" err="1">
                 <a:latin typeface="Courier"/>
                 <a:cs typeface="Courier"/>
               </a:rPr>
               <a:t>num</a:t>
             </a:r>
             <a:r>
-              <a:rPr lang="en-US" dirty="0" smtClean="0">
+              <a:rPr lang="en-US" dirty="0">
                 <a:latin typeface="Courier"/>
                 <a:cs typeface="Courier"/>
               </a:rPr>
@@ -7090,21 +7032,21 @@
               <a:buNone/>
             </a:pPr>
             <a:r>
-              <a:rPr lang="en-US" dirty="0" smtClean="0">
+              <a:rPr lang="en-US" dirty="0">
                 <a:latin typeface="Courier"/>
                 <a:cs typeface="Courier"/>
               </a:rPr>
               <a:t> $ Dead Hem BA  : </a:t>
             </a:r>
             <a:r>
-              <a:rPr lang="en-US" dirty="0" err="1" smtClean="0">
+              <a:rPr lang="en-US" dirty="0" err="1">
                 <a:latin typeface="Courier"/>
                 <a:cs typeface="Courier"/>
               </a:rPr>
               <a:t>num</a:t>
             </a:r>
             <a:r>
-              <a:rPr lang="en-US" dirty="0" smtClean="0">
+              <a:rPr lang="en-US" dirty="0">
                 <a:latin typeface="Courier"/>
                 <a:cs typeface="Courier"/>
               </a:rPr>
@@ -7116,21 +7058,21 @@
               <a:buNone/>
             </a:pPr>
             <a:r>
-              <a:rPr lang="en-US" dirty="0" smtClean="0">
+              <a:rPr lang="en-US" dirty="0">
                 <a:latin typeface="Courier"/>
                 <a:cs typeface="Courier"/>
               </a:rPr>
               <a:t> $ Hem Vigor    : </a:t>
             </a:r>
             <a:r>
-              <a:rPr lang="en-US" dirty="0" err="1" smtClean="0">
+              <a:rPr lang="en-US" dirty="0" err="1">
                 <a:latin typeface="Courier"/>
                 <a:cs typeface="Courier"/>
               </a:rPr>
               <a:t>num</a:t>
             </a:r>
             <a:r>
-              <a:rPr lang="en-US" dirty="0" smtClean="0">
+              <a:rPr lang="en-US" dirty="0">
                 <a:latin typeface="Courier"/>
                 <a:cs typeface="Courier"/>
               </a:rPr>
@@ -7142,21 +7084,21 @@
               <a:buNone/>
             </a:pPr>
             <a:r>
-              <a:rPr lang="en-US" dirty="0" smtClean="0">
+              <a:rPr lang="en-US" dirty="0">
                 <a:latin typeface="Courier"/>
                 <a:cs typeface="Courier"/>
               </a:rPr>
               <a:t> $ Hem Den      : </a:t>
             </a:r>
             <a:r>
-              <a:rPr lang="en-US" dirty="0" err="1" smtClean="0">
+              <a:rPr lang="en-US" dirty="0" err="1">
                 <a:latin typeface="Courier"/>
                 <a:cs typeface="Courier"/>
               </a:rPr>
               <a:t>num</a:t>
             </a:r>
             <a:r>
-              <a:rPr lang="en-US" dirty="0" smtClean="0">
+              <a:rPr lang="en-US" dirty="0">
                 <a:latin typeface="Courier"/>
                 <a:cs typeface="Courier"/>
               </a:rPr>
@@ -7168,21 +7110,21 @@
               <a:buNone/>
             </a:pPr>
             <a:r>
-              <a:rPr lang="en-US" dirty="0" smtClean="0">
+              <a:rPr lang="en-US" dirty="0">
                 <a:latin typeface="Courier"/>
                 <a:cs typeface="Courier"/>
               </a:rPr>
               <a:t> $ Dead Hem Den : </a:t>
             </a:r>
             <a:r>
-              <a:rPr lang="en-US" dirty="0" err="1" smtClean="0">
+              <a:rPr lang="en-US" dirty="0" err="1">
                 <a:latin typeface="Courier"/>
                 <a:cs typeface="Courier"/>
               </a:rPr>
               <a:t>num</a:t>
             </a:r>
             <a:r>
-              <a:rPr lang="en-US" dirty="0" smtClean="0">
+              <a:rPr lang="en-US" dirty="0">
                 <a:latin typeface="Courier"/>
                 <a:cs typeface="Courier"/>
               </a:rPr>
@@ -7194,21 +7136,21 @@
               <a:buNone/>
             </a:pPr>
             <a:r>
-              <a:rPr lang="en-US" dirty="0" smtClean="0">
+              <a:rPr lang="en-US" dirty="0">
                 <a:latin typeface="Courier"/>
                 <a:cs typeface="Courier"/>
               </a:rPr>
               <a:t> $ Tree Den     : </a:t>
             </a:r>
             <a:r>
-              <a:rPr lang="en-US" dirty="0" err="1" smtClean="0">
+              <a:rPr lang="en-US" dirty="0" err="1">
                 <a:latin typeface="Courier"/>
                 <a:cs typeface="Courier"/>
               </a:rPr>
               <a:t>num</a:t>
             </a:r>
             <a:r>
-              <a:rPr lang="en-US" dirty="0" smtClean="0">
+              <a:rPr lang="en-US" dirty="0">
                 <a:latin typeface="Courier"/>
                 <a:cs typeface="Courier"/>
               </a:rPr>
@@ -7220,28 +7162,28 @@
               <a:buNone/>
             </a:pPr>
             <a:r>
-              <a:rPr lang="en-US" dirty="0" smtClean="0">
+              <a:rPr lang="en-US" dirty="0">
                 <a:latin typeface="Courier"/>
                 <a:cs typeface="Courier"/>
               </a:rPr>
               <a:t> $ Borer Density: </a:t>
             </a:r>
             <a:r>
-              <a:rPr lang="en-US" dirty="0" err="1" smtClean="0">
+              <a:rPr lang="en-US" dirty="0" err="1">
                 <a:latin typeface="Courier"/>
                 <a:cs typeface="Courier"/>
               </a:rPr>
               <a:t>num</a:t>
             </a:r>
             <a:r>
-              <a:rPr lang="en-US" dirty="0" smtClean="0">
+              <a:rPr lang="en-US" dirty="0">
                 <a:latin typeface="Courier"/>
                 <a:cs typeface="Courier"/>
               </a:rPr>
               <a:t>  0 0 0 0 0 0 0 0 0 0 ...</a:t>
             </a:r>
             <a:r>
-              <a:rPr lang="de-DE" dirty="0" smtClean="0">
+              <a:rPr lang="de-DE" dirty="0">
                 <a:latin typeface="Courier"/>
                 <a:cs typeface="Courier"/>
               </a:rPr>
@@ -7300,10 +7242,9 @@
           <a:lstStyle/>
           <a:p>
             <a:r>
-              <a:rPr lang="en-US" dirty="0" smtClean="0"/>
+              <a:rPr lang="en-US" dirty="0"/>
               <a:t>Environmental Information</a:t>
             </a:r>
-            <a:endParaRPr lang="en-US" dirty="0"/>
           </a:p>
         </p:txBody>
       </p:sp>
@@ -7333,49 +7274,49 @@
               <a:buNone/>
             </a:pPr>
             <a:r>
-              <a:rPr lang="en-US" dirty="0" smtClean="0">
+              <a:rPr lang="en-US" dirty="0">
                 <a:latin typeface="Courier"/>
                 <a:cs typeface="Courier"/>
               </a:rPr>
               <a:t>&gt; </a:t>
             </a:r>
             <a:r>
-              <a:rPr lang="en-US" dirty="0" err="1" smtClean="0">
+              <a:rPr lang="en-US" dirty="0" err="1">
                 <a:latin typeface="Courier"/>
                 <a:cs typeface="Courier"/>
               </a:rPr>
               <a:t>hemlock_sites</a:t>
             </a:r>
             <a:r>
-              <a:rPr lang="en-US" dirty="0" smtClean="0">
+              <a:rPr lang="en-US" dirty="0">
                 <a:latin typeface="Courier"/>
                 <a:cs typeface="Courier"/>
               </a:rPr>
               <a:t> &lt;- </a:t>
             </a:r>
             <a:r>
-              <a:rPr lang="en-US" dirty="0" err="1" smtClean="0">
+              <a:rPr lang="en-US" dirty="0" err="1">
                 <a:latin typeface="Courier"/>
                 <a:cs typeface="Courier"/>
               </a:rPr>
               <a:t>read_excel</a:t>
             </a:r>
             <a:r>
-              <a:rPr lang="en-US" dirty="0" smtClean="0">
+              <a:rPr lang="en-US" dirty="0">
                 <a:latin typeface="Courier"/>
                 <a:cs typeface="Courier"/>
               </a:rPr>
               <a:t>("./</a:t>
             </a:r>
             <a:r>
-              <a:rPr lang="en-US" dirty="0" err="1" smtClean="0">
+              <a:rPr lang="en-US" dirty="0" err="1">
                 <a:latin typeface="Courier"/>
                 <a:cs typeface="Courier"/>
               </a:rPr>
               <a:t>hemlock.xlsx</a:t>
             </a:r>
             <a:r>
-              <a:rPr lang="en-US" dirty="0" smtClean="0">
+              <a:rPr lang="en-US" dirty="0">
                 <a:latin typeface="Courier"/>
                 <a:cs typeface="Courier"/>
               </a:rPr>
@@ -7386,420 +7327,416 @@
             <a:pPr marL="0" indent="0">
               <a:buNone/>
             </a:pPr>
-            <a:endParaRPr lang="en-US" dirty="0" smtClean="0">
-              <a:latin typeface="Courier"/>
-              <a:cs typeface="Courier"/>
-            </a:endParaRPr>
-          </a:p>
-          <a:p>
-            <a:pPr marL="0" indent="0">
-              <a:buNone/>
-            </a:pPr>
-            <a:r>
-              <a:rPr lang="en-US" dirty="0" smtClean="0">
-                <a:latin typeface="Courier"/>
-                <a:cs typeface="Courier"/>
-              </a:rPr>
-              <a:t>&gt; </a:t>
-            </a:r>
-            <a:r>
-              <a:rPr lang="en-US" dirty="0" err="1" smtClean="0">
-                <a:latin typeface="Courier"/>
-                <a:cs typeface="Courier"/>
-              </a:rPr>
-              <a:t>str</a:t>
-            </a:r>
-            <a:r>
-              <a:rPr lang="en-US" dirty="0" smtClean="0">
-                <a:latin typeface="Courier"/>
-                <a:cs typeface="Courier"/>
-              </a:rPr>
-              <a:t>(</a:t>
-            </a:r>
-            <a:r>
-              <a:rPr lang="en-US" dirty="0" err="1" smtClean="0">
-                <a:latin typeface="Courier"/>
-                <a:cs typeface="Courier"/>
-              </a:rPr>
-              <a:t>hemlock_sites</a:t>
-            </a:r>
-            <a:r>
-              <a:rPr lang="en-US" dirty="0" smtClean="0">
-                <a:latin typeface="Courier"/>
-                <a:cs typeface="Courier"/>
-              </a:rPr>
-              <a:t>)</a:t>
-            </a:r>
-          </a:p>
-          <a:p>
-            <a:pPr marL="0" indent="0">
-              <a:buNone/>
-            </a:pPr>
-            <a:r>
-              <a:rPr lang="en-US" dirty="0" smtClean="0">
-                <a:latin typeface="Courier"/>
-                <a:cs typeface="Courier"/>
-              </a:rPr>
-              <a:t>Classes ‘</a:t>
-            </a:r>
-            <a:r>
-              <a:rPr lang="en-US" dirty="0" err="1" smtClean="0">
-                <a:latin typeface="Courier"/>
-                <a:cs typeface="Courier"/>
-              </a:rPr>
-              <a:t>tbl_df</a:t>
-            </a:r>
-            <a:r>
-              <a:rPr lang="en-US" dirty="0" smtClean="0">
-                <a:latin typeface="Courier"/>
-                <a:cs typeface="Courier"/>
-              </a:rPr>
-              <a:t>’, ‘</a:t>
-            </a:r>
-            <a:r>
-              <a:rPr lang="en-US" dirty="0" err="1" smtClean="0">
-                <a:latin typeface="Courier"/>
-                <a:cs typeface="Courier"/>
-              </a:rPr>
-              <a:t>tbl</a:t>
-            </a:r>
-            <a:r>
-              <a:rPr lang="en-US" dirty="0" smtClean="0">
-                <a:latin typeface="Courier"/>
-                <a:cs typeface="Courier"/>
-              </a:rPr>
-              <a:t>’ and '</a:t>
-            </a:r>
-            <a:r>
-              <a:rPr lang="en-US" dirty="0" err="1" smtClean="0">
-                <a:latin typeface="Courier"/>
-                <a:cs typeface="Courier"/>
-              </a:rPr>
-              <a:t>data.frame</a:t>
-            </a:r>
-            <a:r>
-              <a:rPr lang="en-US" dirty="0" smtClean="0">
-                <a:latin typeface="Courier"/>
-                <a:cs typeface="Courier"/>
-              </a:rPr>
-              <a:t>':	111 obs. of  12 variables:</a:t>
-            </a:r>
-          </a:p>
-          <a:p>
-            <a:pPr marL="0" indent="0">
-              <a:buNone/>
-            </a:pPr>
-            <a:r>
-              <a:rPr lang="en-US" dirty="0" smtClean="0">
-                <a:latin typeface="Courier"/>
-                <a:cs typeface="Courier"/>
-              </a:rPr>
-              <a:t> $ Stand      : </a:t>
-            </a:r>
-            <a:r>
-              <a:rPr lang="en-US" dirty="0" err="1" smtClean="0">
-                <a:latin typeface="Courier"/>
-                <a:cs typeface="Courier"/>
-              </a:rPr>
-              <a:t>chr</a:t>
-            </a:r>
-            <a:r>
-              <a:rPr lang="en-US" dirty="0" smtClean="0">
-                <a:latin typeface="Courier"/>
-                <a:cs typeface="Courier"/>
-              </a:rPr>
-              <a:t>  "Athol 1" "Athol 2" "Athol 3" "Athol 4" ...</a:t>
-            </a:r>
-          </a:p>
-          <a:p>
-            <a:pPr marL="0" indent="0">
-              <a:buNone/>
-            </a:pPr>
-            <a:r>
-              <a:rPr lang="en-US" dirty="0" smtClean="0">
-                <a:latin typeface="Courier"/>
-                <a:cs typeface="Courier"/>
-              </a:rPr>
-              <a:t> $ Year       : </a:t>
-            </a:r>
-            <a:r>
-              <a:rPr lang="en-US" dirty="0" err="1" smtClean="0">
-                <a:latin typeface="Courier"/>
-                <a:cs typeface="Courier"/>
-              </a:rPr>
-              <a:t>num</a:t>
-            </a:r>
-            <a:r>
-              <a:rPr lang="en-US" dirty="0" smtClean="0">
-                <a:latin typeface="Courier"/>
-                <a:cs typeface="Courier"/>
-              </a:rPr>
-              <a:t>  2003 2003 2003 2003 2003 ...</a:t>
-            </a:r>
-          </a:p>
-          <a:p>
-            <a:pPr marL="0" indent="0">
-              <a:buNone/>
-            </a:pPr>
-            <a:r>
-              <a:rPr lang="en-US" dirty="0" smtClean="0">
-                <a:latin typeface="Courier"/>
-                <a:cs typeface="Courier"/>
-              </a:rPr>
-              <a:t> $ Mapped Code: </a:t>
-            </a:r>
-            <a:r>
-              <a:rPr lang="en-US" dirty="0" err="1" smtClean="0">
-                <a:latin typeface="Courier"/>
-                <a:cs typeface="Courier"/>
-              </a:rPr>
-              <a:t>chr</a:t>
-            </a:r>
-            <a:r>
-              <a:rPr lang="en-US" dirty="0" smtClean="0">
-                <a:latin typeface="Courier"/>
-                <a:cs typeface="Courier"/>
-              </a:rPr>
-              <a:t>  "A" "A" "A" "B" ...</a:t>
-            </a:r>
-          </a:p>
-          <a:p>
-            <a:pPr marL="0" indent="0">
-              <a:buNone/>
-            </a:pPr>
-            <a:r>
-              <a:rPr lang="en-US" dirty="0" smtClean="0">
-                <a:latin typeface="Courier"/>
-                <a:cs typeface="Courier"/>
-              </a:rPr>
-              <a:t> $ Aspect     : </a:t>
-            </a:r>
-            <a:r>
-              <a:rPr lang="en-US" dirty="0" err="1" smtClean="0">
-                <a:latin typeface="Courier"/>
-                <a:cs typeface="Courier"/>
-              </a:rPr>
-              <a:t>num</a:t>
-            </a:r>
-            <a:r>
-              <a:rPr lang="en-US" dirty="0" smtClean="0">
-                <a:latin typeface="Courier"/>
-                <a:cs typeface="Courier"/>
-              </a:rPr>
-              <a:t>  213.2 357 292.5 80.5 227.5 ...</a:t>
-            </a:r>
-          </a:p>
-          <a:p>
-            <a:pPr marL="0" indent="0">
-              <a:buNone/>
-            </a:pPr>
-            <a:r>
-              <a:rPr lang="en-US" dirty="0" smtClean="0">
-                <a:latin typeface="Courier"/>
-                <a:cs typeface="Courier"/>
-              </a:rPr>
-              <a:t> $ Slope      : </a:t>
-            </a:r>
-            <a:r>
-              <a:rPr lang="en-US" dirty="0" err="1" smtClean="0">
-                <a:latin typeface="Courier"/>
-                <a:cs typeface="Courier"/>
-              </a:rPr>
-              <a:t>num</a:t>
-            </a:r>
-            <a:r>
-              <a:rPr lang="en-US" dirty="0" smtClean="0">
-                <a:latin typeface="Courier"/>
-                <a:cs typeface="Courier"/>
-              </a:rPr>
-              <a:t>  3.8 27.83 23.83 8.78 12.17 ...</a:t>
-            </a:r>
-          </a:p>
-          <a:p>
-            <a:pPr marL="0" indent="0">
-              <a:buNone/>
-            </a:pPr>
-            <a:r>
-              <a:rPr lang="en-US" dirty="0" smtClean="0">
-                <a:latin typeface="Courier"/>
-                <a:cs typeface="Courier"/>
-              </a:rPr>
-              <a:t> $ Latitude   : </a:t>
-            </a:r>
-            <a:r>
-              <a:rPr lang="en-US" dirty="0" err="1" smtClean="0">
-                <a:latin typeface="Courier"/>
-                <a:cs typeface="Courier"/>
-              </a:rPr>
-              <a:t>num</a:t>
-            </a:r>
-            <a:r>
-              <a:rPr lang="en-US" dirty="0" smtClean="0">
-                <a:latin typeface="Courier"/>
-                <a:cs typeface="Courier"/>
-              </a:rPr>
-              <a:t>  -72.2 -72.2 -72.2 -72.2 -72.2 ...</a:t>
-            </a:r>
-          </a:p>
-          <a:p>
-            <a:pPr marL="0" indent="0">
-              <a:buNone/>
-            </a:pPr>
-            <a:r>
-              <a:rPr lang="en-US" dirty="0" smtClean="0">
-                <a:latin typeface="Courier"/>
-                <a:cs typeface="Courier"/>
-              </a:rPr>
-              <a:t> $ Longitude  : </a:t>
-            </a:r>
-            <a:r>
-              <a:rPr lang="en-US" dirty="0" err="1" smtClean="0">
-                <a:latin typeface="Courier"/>
-                <a:cs typeface="Courier"/>
-              </a:rPr>
-              <a:t>num</a:t>
-            </a:r>
-            <a:r>
-              <a:rPr lang="en-US" dirty="0" smtClean="0">
-                <a:latin typeface="Courier"/>
-                <a:cs typeface="Courier"/>
-              </a:rPr>
-              <a:t>  42.5 42.5 42.6 42.5 42.6 ...</a:t>
-            </a:r>
-          </a:p>
-          <a:p>
-            <a:pPr marL="0" indent="0">
-              <a:buNone/>
-            </a:pPr>
-            <a:r>
-              <a:rPr lang="en-US" dirty="0" smtClean="0">
-                <a:latin typeface="Courier"/>
-                <a:cs typeface="Courier"/>
-              </a:rPr>
-              <a:t> $ Elevation  : </a:t>
-            </a:r>
-            <a:r>
-              <a:rPr lang="en-US" dirty="0" err="1" smtClean="0">
-                <a:latin typeface="Courier"/>
-                <a:cs typeface="Courier"/>
-              </a:rPr>
-              <a:t>num</a:t>
-            </a:r>
-            <a:r>
-              <a:rPr lang="en-US" dirty="0" smtClean="0">
-                <a:latin typeface="Courier"/>
-                <a:cs typeface="Courier"/>
-              </a:rPr>
-              <a:t>  269 220 231 247 233 ...</a:t>
-            </a:r>
-          </a:p>
-          <a:p>
-            <a:pPr marL="0" indent="0">
-              <a:buNone/>
-            </a:pPr>
-            <a:r>
-              <a:rPr lang="en-US" dirty="0" smtClean="0">
-                <a:latin typeface="Courier"/>
-                <a:cs typeface="Courier"/>
-              </a:rPr>
-              <a:t> $ Area       : </a:t>
-            </a:r>
-            <a:r>
-              <a:rPr lang="en-US" dirty="0" err="1" smtClean="0">
-                <a:latin typeface="Courier"/>
-                <a:cs typeface="Courier"/>
-              </a:rPr>
-              <a:t>num</a:t>
-            </a:r>
-            <a:r>
-              <a:rPr lang="en-US" dirty="0" smtClean="0">
-                <a:latin typeface="Courier"/>
-                <a:cs typeface="Courier"/>
-              </a:rPr>
-              <a:t>  35.8 36.6 33.7 94.7 40.7 ...</a:t>
-            </a:r>
-          </a:p>
-          <a:p>
-            <a:pPr marL="0" indent="0">
-              <a:buNone/>
-            </a:pPr>
-            <a:r>
-              <a:rPr lang="en-US" dirty="0" smtClean="0">
-                <a:latin typeface="Courier"/>
-                <a:cs typeface="Courier"/>
-              </a:rPr>
-              <a:t> $ Humus      : </a:t>
-            </a:r>
-            <a:r>
-              <a:rPr lang="en-US" dirty="0" err="1" smtClean="0">
-                <a:latin typeface="Courier"/>
-                <a:cs typeface="Courier"/>
-              </a:rPr>
-              <a:t>num</a:t>
-            </a:r>
-            <a:r>
-              <a:rPr lang="en-US" dirty="0" smtClean="0">
-                <a:latin typeface="Courier"/>
-                <a:cs typeface="Courier"/>
-              </a:rPr>
-              <a:t>  9.9 5.92 5.58 6.89 3.71 5.25 7.33 12.4 6.75 8.85 ...</a:t>
-            </a:r>
-          </a:p>
-          <a:p>
-            <a:pPr marL="0" indent="0">
-              <a:buNone/>
-            </a:pPr>
-            <a:r>
-              <a:rPr lang="en-US" dirty="0" smtClean="0">
-                <a:latin typeface="Courier"/>
-                <a:cs typeface="Courier"/>
-              </a:rPr>
-              <a:t> $ Logged     : </a:t>
-            </a:r>
-            <a:r>
-              <a:rPr lang="en-US" dirty="0" err="1" smtClean="0">
-                <a:latin typeface="Courier"/>
-                <a:cs typeface="Courier"/>
-              </a:rPr>
-              <a:t>num</a:t>
-            </a:r>
-            <a:r>
-              <a:rPr lang="en-US" dirty="0" smtClean="0">
-                <a:latin typeface="Courier"/>
-                <a:cs typeface="Courier"/>
-              </a:rPr>
-              <a:t>  1 1 1 1 1 1 1 0 1 1 ...</a:t>
-            </a:r>
-          </a:p>
-          <a:p>
-            <a:pPr marL="0" indent="0">
-              <a:buNone/>
-            </a:pPr>
-            <a:r>
-              <a:rPr lang="en-US" dirty="0" smtClean="0">
-                <a:latin typeface="Courier"/>
-                <a:cs typeface="Courier"/>
-              </a:rPr>
-              <a:t> $ Rand       : </a:t>
-            </a:r>
-            <a:r>
-              <a:rPr lang="en-US" dirty="0" err="1" smtClean="0">
-                <a:latin typeface="Courier"/>
-                <a:cs typeface="Courier"/>
-              </a:rPr>
-              <a:t>num</a:t>
-            </a:r>
-            <a:r>
-              <a:rPr lang="en-US" dirty="0" smtClean="0">
-                <a:latin typeface="Courier"/>
-                <a:cs typeface="Courier"/>
-              </a:rPr>
-              <a:t>  NA NA NA NA NA NA NA NA NA NA ...</a:t>
-            </a:r>
             <a:endParaRPr lang="en-US" dirty="0">
               <a:latin typeface="Courier"/>
               <a:cs typeface="Courier"/>
             </a:endParaRPr>
+          </a:p>
+          <a:p>
+            <a:pPr marL="0" indent="0">
+              <a:buNone/>
+            </a:pPr>
+            <a:r>
+              <a:rPr lang="en-US" dirty="0">
+                <a:latin typeface="Courier"/>
+                <a:cs typeface="Courier"/>
+              </a:rPr>
+              <a:t>&gt; </a:t>
+            </a:r>
+            <a:r>
+              <a:rPr lang="en-US" dirty="0" err="1">
+                <a:latin typeface="Courier"/>
+                <a:cs typeface="Courier"/>
+              </a:rPr>
+              <a:t>str</a:t>
+            </a:r>
+            <a:r>
+              <a:rPr lang="en-US" dirty="0">
+                <a:latin typeface="Courier"/>
+                <a:cs typeface="Courier"/>
+              </a:rPr>
+              <a:t>(</a:t>
+            </a:r>
+            <a:r>
+              <a:rPr lang="en-US" dirty="0" err="1">
+                <a:latin typeface="Courier"/>
+                <a:cs typeface="Courier"/>
+              </a:rPr>
+              <a:t>hemlock_sites</a:t>
+            </a:r>
+            <a:r>
+              <a:rPr lang="en-US" dirty="0">
+                <a:latin typeface="Courier"/>
+                <a:cs typeface="Courier"/>
+              </a:rPr>
+              <a:t>)</a:t>
+            </a:r>
+          </a:p>
+          <a:p>
+            <a:pPr marL="0" indent="0">
+              <a:buNone/>
+            </a:pPr>
+            <a:r>
+              <a:rPr lang="en-US" dirty="0">
+                <a:latin typeface="Courier"/>
+                <a:cs typeface="Courier"/>
+              </a:rPr>
+              <a:t>Classes ‘</a:t>
+            </a:r>
+            <a:r>
+              <a:rPr lang="en-US" dirty="0" err="1">
+                <a:latin typeface="Courier"/>
+                <a:cs typeface="Courier"/>
+              </a:rPr>
+              <a:t>tbl_df</a:t>
+            </a:r>
+            <a:r>
+              <a:rPr lang="en-US" dirty="0">
+                <a:latin typeface="Courier"/>
+                <a:cs typeface="Courier"/>
+              </a:rPr>
+              <a:t>’, ‘</a:t>
+            </a:r>
+            <a:r>
+              <a:rPr lang="en-US" dirty="0" err="1">
+                <a:latin typeface="Courier"/>
+                <a:cs typeface="Courier"/>
+              </a:rPr>
+              <a:t>tbl</a:t>
+            </a:r>
+            <a:r>
+              <a:rPr lang="en-US" dirty="0">
+                <a:latin typeface="Courier"/>
+                <a:cs typeface="Courier"/>
+              </a:rPr>
+              <a:t>’ and '</a:t>
+            </a:r>
+            <a:r>
+              <a:rPr lang="en-US" dirty="0" err="1">
+                <a:latin typeface="Courier"/>
+                <a:cs typeface="Courier"/>
+              </a:rPr>
+              <a:t>data.frame</a:t>
+            </a:r>
+            <a:r>
+              <a:rPr lang="en-US" dirty="0">
+                <a:latin typeface="Courier"/>
+                <a:cs typeface="Courier"/>
+              </a:rPr>
+              <a:t>':	111 obs. of  12 variables:</a:t>
+            </a:r>
+          </a:p>
+          <a:p>
+            <a:pPr marL="0" indent="0">
+              <a:buNone/>
+            </a:pPr>
+            <a:r>
+              <a:rPr lang="en-US" dirty="0">
+                <a:latin typeface="Courier"/>
+                <a:cs typeface="Courier"/>
+              </a:rPr>
+              <a:t> $ Stand      : </a:t>
+            </a:r>
+            <a:r>
+              <a:rPr lang="en-US" dirty="0" err="1">
+                <a:latin typeface="Courier"/>
+                <a:cs typeface="Courier"/>
+              </a:rPr>
+              <a:t>chr</a:t>
+            </a:r>
+            <a:r>
+              <a:rPr lang="en-US" dirty="0">
+                <a:latin typeface="Courier"/>
+                <a:cs typeface="Courier"/>
+              </a:rPr>
+              <a:t>  "Athol 1" "Athol 2" "Athol 3" "Athol 4" ...</a:t>
+            </a:r>
+          </a:p>
+          <a:p>
+            <a:pPr marL="0" indent="0">
+              <a:buNone/>
+            </a:pPr>
+            <a:r>
+              <a:rPr lang="en-US" dirty="0">
+                <a:latin typeface="Courier"/>
+                <a:cs typeface="Courier"/>
+              </a:rPr>
+              <a:t> $ Year       : </a:t>
+            </a:r>
+            <a:r>
+              <a:rPr lang="en-US" dirty="0" err="1">
+                <a:latin typeface="Courier"/>
+                <a:cs typeface="Courier"/>
+              </a:rPr>
+              <a:t>num</a:t>
+            </a:r>
+            <a:r>
+              <a:rPr lang="en-US" dirty="0">
+                <a:latin typeface="Courier"/>
+                <a:cs typeface="Courier"/>
+              </a:rPr>
+              <a:t>  2003 2003 2003 2003 2003 ...</a:t>
+            </a:r>
+          </a:p>
+          <a:p>
+            <a:pPr marL="0" indent="0">
+              <a:buNone/>
+            </a:pPr>
+            <a:r>
+              <a:rPr lang="en-US" dirty="0">
+                <a:latin typeface="Courier"/>
+                <a:cs typeface="Courier"/>
+              </a:rPr>
+              <a:t> $ Mapped Code: </a:t>
+            </a:r>
+            <a:r>
+              <a:rPr lang="en-US" dirty="0" err="1">
+                <a:latin typeface="Courier"/>
+                <a:cs typeface="Courier"/>
+              </a:rPr>
+              <a:t>chr</a:t>
+            </a:r>
+            <a:r>
+              <a:rPr lang="en-US" dirty="0">
+                <a:latin typeface="Courier"/>
+                <a:cs typeface="Courier"/>
+              </a:rPr>
+              <a:t>  "A" "A" "A" "B" ...</a:t>
+            </a:r>
+          </a:p>
+          <a:p>
+            <a:pPr marL="0" indent="0">
+              <a:buNone/>
+            </a:pPr>
+            <a:r>
+              <a:rPr lang="en-US" dirty="0">
+                <a:latin typeface="Courier"/>
+                <a:cs typeface="Courier"/>
+              </a:rPr>
+              <a:t> $ Aspect     : </a:t>
+            </a:r>
+            <a:r>
+              <a:rPr lang="en-US" dirty="0" err="1">
+                <a:latin typeface="Courier"/>
+                <a:cs typeface="Courier"/>
+              </a:rPr>
+              <a:t>num</a:t>
+            </a:r>
+            <a:r>
+              <a:rPr lang="en-US" dirty="0">
+                <a:latin typeface="Courier"/>
+                <a:cs typeface="Courier"/>
+              </a:rPr>
+              <a:t>  213.2 357 292.5 80.5 227.5 ...</a:t>
+            </a:r>
+          </a:p>
+          <a:p>
+            <a:pPr marL="0" indent="0">
+              <a:buNone/>
+            </a:pPr>
+            <a:r>
+              <a:rPr lang="en-US" dirty="0">
+                <a:latin typeface="Courier"/>
+                <a:cs typeface="Courier"/>
+              </a:rPr>
+              <a:t> $ Slope      : </a:t>
+            </a:r>
+            <a:r>
+              <a:rPr lang="en-US" dirty="0" err="1">
+                <a:latin typeface="Courier"/>
+                <a:cs typeface="Courier"/>
+              </a:rPr>
+              <a:t>num</a:t>
+            </a:r>
+            <a:r>
+              <a:rPr lang="en-US" dirty="0">
+                <a:latin typeface="Courier"/>
+                <a:cs typeface="Courier"/>
+              </a:rPr>
+              <a:t>  3.8 27.83 23.83 8.78 12.17 ...</a:t>
+            </a:r>
+          </a:p>
+          <a:p>
+            <a:pPr marL="0" indent="0">
+              <a:buNone/>
+            </a:pPr>
+            <a:r>
+              <a:rPr lang="en-US" dirty="0">
+                <a:latin typeface="Courier"/>
+                <a:cs typeface="Courier"/>
+              </a:rPr>
+              <a:t> $ Latitude   : </a:t>
+            </a:r>
+            <a:r>
+              <a:rPr lang="en-US" dirty="0" err="1">
+                <a:latin typeface="Courier"/>
+                <a:cs typeface="Courier"/>
+              </a:rPr>
+              <a:t>num</a:t>
+            </a:r>
+            <a:r>
+              <a:rPr lang="en-US" dirty="0">
+                <a:latin typeface="Courier"/>
+                <a:cs typeface="Courier"/>
+              </a:rPr>
+              <a:t>  -72.2 -72.2 -72.2 -72.2 -72.2 ...</a:t>
+            </a:r>
+          </a:p>
+          <a:p>
+            <a:pPr marL="0" indent="0">
+              <a:buNone/>
+            </a:pPr>
+            <a:r>
+              <a:rPr lang="en-US" dirty="0">
+                <a:latin typeface="Courier"/>
+                <a:cs typeface="Courier"/>
+              </a:rPr>
+              <a:t> $ Longitude  : </a:t>
+            </a:r>
+            <a:r>
+              <a:rPr lang="en-US" dirty="0" err="1">
+                <a:latin typeface="Courier"/>
+                <a:cs typeface="Courier"/>
+              </a:rPr>
+              <a:t>num</a:t>
+            </a:r>
+            <a:r>
+              <a:rPr lang="en-US" dirty="0">
+                <a:latin typeface="Courier"/>
+                <a:cs typeface="Courier"/>
+              </a:rPr>
+              <a:t>  42.5 42.5 42.6 42.5 42.6 ...</a:t>
+            </a:r>
+          </a:p>
+          <a:p>
+            <a:pPr marL="0" indent="0">
+              <a:buNone/>
+            </a:pPr>
+            <a:r>
+              <a:rPr lang="en-US" dirty="0">
+                <a:latin typeface="Courier"/>
+                <a:cs typeface="Courier"/>
+              </a:rPr>
+              <a:t> $ Elevation  : </a:t>
+            </a:r>
+            <a:r>
+              <a:rPr lang="en-US" dirty="0" err="1">
+                <a:latin typeface="Courier"/>
+                <a:cs typeface="Courier"/>
+              </a:rPr>
+              <a:t>num</a:t>
+            </a:r>
+            <a:r>
+              <a:rPr lang="en-US" dirty="0">
+                <a:latin typeface="Courier"/>
+                <a:cs typeface="Courier"/>
+              </a:rPr>
+              <a:t>  269 220 231 247 233 ...</a:t>
+            </a:r>
+          </a:p>
+          <a:p>
+            <a:pPr marL="0" indent="0">
+              <a:buNone/>
+            </a:pPr>
+            <a:r>
+              <a:rPr lang="en-US" dirty="0">
+                <a:latin typeface="Courier"/>
+                <a:cs typeface="Courier"/>
+              </a:rPr>
+              <a:t> $ Area       : </a:t>
+            </a:r>
+            <a:r>
+              <a:rPr lang="en-US" dirty="0" err="1">
+                <a:latin typeface="Courier"/>
+                <a:cs typeface="Courier"/>
+              </a:rPr>
+              <a:t>num</a:t>
+            </a:r>
+            <a:r>
+              <a:rPr lang="en-US" dirty="0">
+                <a:latin typeface="Courier"/>
+                <a:cs typeface="Courier"/>
+              </a:rPr>
+              <a:t>  35.8 36.6 33.7 94.7 40.7 ...</a:t>
+            </a:r>
+          </a:p>
+          <a:p>
+            <a:pPr marL="0" indent="0">
+              <a:buNone/>
+            </a:pPr>
+            <a:r>
+              <a:rPr lang="en-US" dirty="0">
+                <a:latin typeface="Courier"/>
+                <a:cs typeface="Courier"/>
+              </a:rPr>
+              <a:t> $ Humus      : </a:t>
+            </a:r>
+            <a:r>
+              <a:rPr lang="en-US" dirty="0" err="1">
+                <a:latin typeface="Courier"/>
+                <a:cs typeface="Courier"/>
+              </a:rPr>
+              <a:t>num</a:t>
+            </a:r>
+            <a:r>
+              <a:rPr lang="en-US" dirty="0">
+                <a:latin typeface="Courier"/>
+                <a:cs typeface="Courier"/>
+              </a:rPr>
+              <a:t>  9.9 5.92 5.58 6.89 3.71 5.25 7.33 12.4 6.75 8.85 ...</a:t>
+            </a:r>
+          </a:p>
+          <a:p>
+            <a:pPr marL="0" indent="0">
+              <a:buNone/>
+            </a:pPr>
+            <a:r>
+              <a:rPr lang="en-US" dirty="0">
+                <a:latin typeface="Courier"/>
+                <a:cs typeface="Courier"/>
+              </a:rPr>
+              <a:t> $ Logged     : </a:t>
+            </a:r>
+            <a:r>
+              <a:rPr lang="en-US" dirty="0" err="1">
+                <a:latin typeface="Courier"/>
+                <a:cs typeface="Courier"/>
+              </a:rPr>
+              <a:t>num</a:t>
+            </a:r>
+            <a:r>
+              <a:rPr lang="en-US" dirty="0">
+                <a:latin typeface="Courier"/>
+                <a:cs typeface="Courier"/>
+              </a:rPr>
+              <a:t>  1 1 1 1 1 1 1 0 1 1 ...</a:t>
+            </a:r>
+          </a:p>
+          <a:p>
+            <a:pPr marL="0" indent="0">
+              <a:buNone/>
+            </a:pPr>
+            <a:r>
+              <a:rPr lang="en-US" dirty="0">
+                <a:latin typeface="Courier"/>
+                <a:cs typeface="Courier"/>
+              </a:rPr>
+              <a:t> $ Rand       : </a:t>
+            </a:r>
+            <a:r>
+              <a:rPr lang="en-US" dirty="0" err="1">
+                <a:latin typeface="Courier"/>
+                <a:cs typeface="Courier"/>
+              </a:rPr>
+              <a:t>num</a:t>
+            </a:r>
+            <a:r>
+              <a:rPr lang="en-US" dirty="0">
+                <a:latin typeface="Courier"/>
+                <a:cs typeface="Courier"/>
+              </a:rPr>
+              <a:t>  NA NA NA NA NA NA NA NA NA NA ...</a:t>
+            </a:r>
           </a:p>
         </p:txBody>
       </p:sp>
@@ -7849,10 +7786,9 @@
           <a:lstStyle/>
           <a:p>
             <a:r>
-              <a:rPr lang="en-US" dirty="0" smtClean="0"/>
+              <a:rPr lang="en-US" dirty="0"/>
               <a:t>The problem</a:t>
             </a:r>
-            <a:endParaRPr lang="en-US" dirty="0"/>
           </a:p>
         </p:txBody>
       </p:sp>
@@ -7875,23 +7811,23 @@
               <a:buNone/>
             </a:pPr>
             <a:r>
-              <a:rPr lang="en-US" dirty="0" smtClean="0"/>
+              <a:rPr lang="en-US" dirty="0"/>
               <a:t>&gt; </a:t>
             </a:r>
             <a:r>
-              <a:rPr lang="en-US" dirty="0" err="1" smtClean="0"/>
+              <a:rPr lang="en-US" dirty="0" err="1"/>
               <a:t>nrow</a:t>
             </a:r>
             <a:r>
-              <a:rPr lang="en-US" dirty="0" smtClean="0"/>
+              <a:rPr lang="en-US" dirty="0"/>
               <a:t>(</a:t>
             </a:r>
             <a:r>
-              <a:rPr lang="en-US" dirty="0" err="1" smtClean="0"/>
+              <a:rPr lang="en-US" dirty="0" err="1"/>
               <a:t>hemlock_data</a:t>
             </a:r>
             <a:r>
-              <a:rPr lang="en-US" dirty="0" smtClean="0"/>
+              <a:rPr lang="en-US" dirty="0"/>
               <a:t>)</a:t>
             </a:r>
           </a:p>
@@ -7900,7 +7836,7 @@
               <a:buNone/>
             </a:pPr>
             <a:r>
-              <a:rPr lang="en-US" dirty="0" smtClean="0"/>
+              <a:rPr lang="en-US" dirty="0"/>
               <a:t>[1] 98</a:t>
             </a:r>
           </a:p>
@@ -7908,30 +7844,30 @@
             <a:pPr marL="0" indent="0">
               <a:buNone/>
             </a:pPr>
-            <a:endParaRPr lang="en-US" dirty="0" smtClean="0"/>
+            <a:endParaRPr lang="en-US" dirty="0"/>
           </a:p>
           <a:p>
             <a:pPr marL="0" indent="0">
               <a:buNone/>
             </a:pPr>
             <a:r>
-              <a:rPr lang="en-US" dirty="0" smtClean="0"/>
+              <a:rPr lang="en-US" dirty="0"/>
               <a:t>&gt; </a:t>
             </a:r>
             <a:r>
-              <a:rPr lang="en-US" dirty="0" err="1" smtClean="0"/>
+              <a:rPr lang="en-US" dirty="0" err="1"/>
               <a:t>nrow</a:t>
             </a:r>
             <a:r>
-              <a:rPr lang="en-US" dirty="0" smtClean="0"/>
+              <a:rPr lang="en-US" dirty="0"/>
               <a:t>(</a:t>
             </a:r>
             <a:r>
-              <a:rPr lang="en-US" dirty="0" err="1" smtClean="0"/>
+              <a:rPr lang="en-US" dirty="0" err="1"/>
               <a:t>hemlock_sites</a:t>
             </a:r>
             <a:r>
-              <a:rPr lang="en-US" dirty="0" smtClean="0"/>
+              <a:rPr lang="en-US" dirty="0"/>
               <a:t>)</a:t>
             </a:r>
           </a:p>
@@ -7940,10 +7876,9 @@
               <a:buNone/>
             </a:pPr>
             <a:r>
-              <a:rPr lang="en-US" dirty="0" smtClean="0"/>
+              <a:rPr lang="en-US" dirty="0"/>
               <a:t>[1] 111</a:t>
             </a:r>
-            <a:endParaRPr lang="en-US" dirty="0"/>
           </a:p>
         </p:txBody>
       </p:sp>
@@ -8025,10 +7960,9 @@
           <a:lstStyle/>
           <a:p>
             <a:r>
-              <a:rPr lang="en-US" dirty="0" smtClean="0"/>
+              <a:rPr lang="en-US" dirty="0"/>
               <a:t>Mismatched Data Sets with Common Keys</a:t>
             </a:r>
-            <a:endParaRPr lang="en-US" dirty="0"/>
           </a:p>
         </p:txBody>
       </p:sp>
@@ -8080,10 +8014,9 @@
           <a:lstStyle/>
           <a:p>
             <a:r>
-              <a:rPr lang="en-US" dirty="0" smtClean="0"/>
+              <a:rPr lang="en-US" dirty="0"/>
               <a:t>Mismatched Data Sets with Common Keys</a:t>
             </a:r>
-            <a:endParaRPr lang="en-US" dirty="0"/>
           </a:p>
         </p:txBody>
       </p:sp>
